--- a/poster.pptx
+++ b/poster.pptx
@@ -4804,27 +4804,28 @@
           <a:p>
             <a:pPr algn="ctr" defTabSz="4806950"/>
             <a:r>
-              <a:rPr lang="en-US" sz="6900" b="1" dirty="0">
+              <a:rPr lang="en-US" sz="9600" dirty="0" smtClean="0">
                 <a:solidFill>
                   <a:schemeClr val="bg1"/>
                 </a:solidFill>
               </a:rPr>
-              <a:t>Insert Your Two Line</a:t>
-            </a:r>
-            <a:br>
-              <a:rPr lang="en-US" sz="6900" b="1" dirty="0">
+              <a:t>Heuristic Solver </a:t>
+            </a:r>
+            <a:r>
+              <a:rPr lang="en-US" sz="9600" dirty="0">
                 <a:solidFill>
                   <a:schemeClr val="bg1"/>
                 </a:solidFill>
               </a:rPr>
-            </a:br>
-            <a:r>
-              <a:rPr lang="en-US" sz="6900" b="1" dirty="0">
+              <a:t>for </a:t>
+            </a:r>
+            <a:r>
+              <a:rPr lang="en-US" sz="9600" dirty="0" smtClean="0">
                 <a:solidFill>
                   <a:schemeClr val="bg1"/>
                 </a:solidFill>
               </a:rPr>
-              <a:t>Poster Title Here</a:t>
+              <a:t>Various Sudoku </a:t>
             </a:r>
             <a:r>
               <a:rPr lang="en-US" sz="6900" dirty="0">
@@ -4842,7 +4843,7 @@
               </a:rPr>
             </a:br>
             <a:r>
-              <a:rPr lang="en-US" altLang="zh-CN" sz="6900" dirty="0" err="1" smtClean="0">
+              <a:rPr lang="en-US" altLang="zh-CN" sz="6400" dirty="0" err="1" smtClean="0">
                 <a:solidFill>
                   <a:schemeClr val="bg1"/>
                 </a:solidFill>
@@ -4850,7 +4851,7 @@
               <a:t>Yelun</a:t>
             </a:r>
             <a:r>
-              <a:rPr lang="en-US" altLang="zh-CN" sz="6900" dirty="0" smtClean="0">
+              <a:rPr lang="en-US" altLang="zh-CN" sz="6400" dirty="0" smtClean="0">
                 <a:solidFill>
                   <a:schemeClr val="bg1"/>
                 </a:solidFill>
@@ -4858,7 +4859,7 @@
               <a:t> </a:t>
             </a:r>
             <a:r>
-              <a:rPr lang="en-US" altLang="zh-CN" sz="6900" dirty="0" err="1" smtClean="0">
+              <a:rPr lang="en-US" altLang="zh-CN" sz="6400" dirty="0" err="1" smtClean="0">
                 <a:solidFill>
                   <a:schemeClr val="bg1"/>
                 </a:solidFill>
@@ -4866,7 +4867,7 @@
               <a:t>Bao</a:t>
             </a:r>
             <a:r>
-              <a:rPr lang="en-US" altLang="zh-CN" sz="6900" dirty="0" smtClean="0">
+              <a:rPr lang="en-US" altLang="zh-CN" sz="6400" dirty="0" smtClean="0">
                 <a:solidFill>
                   <a:schemeClr val="bg1"/>
                 </a:solidFill>
@@ -4874,7 +4875,7 @@
               <a:t>, </a:t>
             </a:r>
             <a:r>
-              <a:rPr lang="en-US" altLang="zh-CN" sz="6900" dirty="0" err="1" smtClean="0">
+              <a:rPr lang="en-US" altLang="zh-CN" sz="6400" dirty="0" err="1" smtClean="0">
                 <a:solidFill>
                   <a:schemeClr val="bg1"/>
                 </a:solidFill>
@@ -4882,7 +4883,7 @@
               <a:t>Zhenxiao</a:t>
             </a:r>
             <a:r>
-              <a:rPr lang="en-US" altLang="zh-CN" sz="6900" dirty="0" smtClean="0">
+              <a:rPr lang="en-US" altLang="zh-CN" sz="6400" dirty="0" smtClean="0">
                 <a:solidFill>
                   <a:schemeClr val="bg1"/>
                 </a:solidFill>
@@ -4930,8 +4931,8 @@
         </p:nvSpPr>
         <p:spPr bwMode="auto">
           <a:xfrm>
-            <a:off x="658669" y="36899283"/>
-            <a:ext cx="16027399" cy="6445250"/>
+            <a:off x="257790" y="34460244"/>
+            <a:ext cx="11140033" cy="8697692"/>
           </a:xfrm>
           <a:prstGeom prst="rect">
             <a:avLst/>
@@ -5123,27 +5124,19 @@
               <a:defRPr/>
             </a:pPr>
             <a:r>
-              <a:rPr lang="en-GB" sz="6000" baseline="30000" dirty="0"/>
+              <a:rPr lang="en-GB" sz="3600" dirty="0"/>
               <a:t>We </a:t>
             </a:r>
             <a:r>
-              <a:rPr lang="en-GB" sz="6000" baseline="30000" dirty="0" smtClean="0"/>
+              <a:rPr lang="en-GB" sz="3600" dirty="0" smtClean="0"/>
               <a:t>used </a:t>
             </a:r>
             <a:r>
-              <a:rPr lang="en-GB" sz="6000" baseline="30000" dirty="0"/>
-              <a:t>two different criterions to measure the performance of Sudoku algorithms.</a:t>
-            </a:r>
-            <a:r>
-              <a:rPr lang="en-GB" sz="6000" baseline="30000" dirty="0"/>
-              <a:t> </a:t>
-            </a:r>
-            <a:r>
-              <a:rPr lang="en-GB" sz="6000" baseline="30000" dirty="0"/>
-              <a:t>One is by time the algorithm used to search while the other is by number of nodes the search process explored. </a:t>
-            </a:r>
-            <a:r>
-              <a:rPr lang="en-GB" sz="6000" baseline="30000" dirty="0" smtClean="0"/>
+              <a:rPr lang="en-GB" sz="3600" dirty="0"/>
+              <a:t>two different criterions to measure the performance of Sudoku algorithms. One is by time the algorithm used to search while the other is by number of nodes the search process explored. </a:t>
+            </a:r>
+            <a:r>
+              <a:rPr lang="en-GB" sz="3600" dirty="0" smtClean="0"/>
               <a:t>The latter one is independent of platform used.</a:t>
             </a:r>
           </a:p>
@@ -5155,25 +5148,66 @@
               <a:defRPr/>
             </a:pPr>
             <a:r>
-              <a:rPr lang="en-GB" sz="6000" baseline="30000" dirty="0" smtClean="0"/>
-              <a:t>The </a:t>
-            </a:r>
-            <a:r>
-              <a:rPr lang="en-GB" sz="6000" baseline="30000" dirty="0"/>
-              <a:t>Following </a:t>
-            </a:r>
-            <a:r>
-              <a:rPr lang="en-US" altLang="zh-CN" sz="6000" baseline="30000" dirty="0"/>
+              <a:rPr lang="en-GB" sz="3600" dirty="0" smtClean="0"/>
+              <a:t>The Following </a:t>
+            </a:r>
+            <a:r>
+              <a:rPr lang="en-US" altLang="zh-CN" sz="3600" dirty="0" smtClean="0"/>
               <a:t>are</a:t>
             </a:r>
             <a:r>
-              <a:rPr lang="en-GB" sz="6000" baseline="30000" dirty="0" smtClean="0"/>
+              <a:rPr lang="en-GB" sz="3600" dirty="0" smtClean="0"/>
+              <a:t> some comparisons between the known algorithms and ours. We ran </a:t>
+            </a:r>
+            <a:r>
+              <a:rPr lang="en-GB" sz="3600" dirty="0"/>
+              <a:t>our solver on 20 very hard  9×9 </a:t>
+            </a:r>
+            <a:r>
+              <a:rPr lang="en-GB" sz="3600" dirty="0" smtClean="0"/>
+              <a:t>Sudoku </a:t>
+            </a:r>
+            <a:r>
+              <a:rPr lang="en-GB" sz="3600" dirty="0"/>
+              <a:t>puzzles and five </a:t>
+            </a:r>
+            <a:r>
+              <a:rPr lang="en-GB" sz="3600" dirty="0" smtClean="0"/>
+              <a:t>16x16 </a:t>
+            </a:r>
+            <a:r>
+              <a:rPr lang="en-GB" sz="3600" dirty="0"/>
+              <a:t>Sudoku </a:t>
+            </a:r>
+            <a:r>
+              <a:rPr lang="en-GB" sz="3600" dirty="0" smtClean="0"/>
+              <a:t>puzzles,</a:t>
+            </a:r>
+            <a:r>
+              <a:rPr lang="en-GB" sz="3600" dirty="0"/>
               <a:t> </a:t>
             </a:r>
             <a:r>
-              <a:rPr lang="en-GB" sz="6000" baseline="30000" dirty="0"/>
-              <a:t>some comparisons between the known algorithms and ours.</a:t>
-            </a:r>
+              <a:rPr lang="en-GB" sz="3600" dirty="0" smtClean="0"/>
+              <a:t>which are chosen as test data (differ from the data to adjust the </a:t>
+            </a:r>
+            <a:r>
+              <a:rPr lang="en-US" altLang="zh-CN" sz="3600" i="1" dirty="0" smtClean="0"/>
+              <a:t>Heuristic.</a:t>
+            </a:r>
+            <a:r>
+              <a:rPr lang="en-GB" sz="3600" dirty="0" smtClean="0"/>
+              <a:t>)</a:t>
+            </a:r>
+            <a:endParaRPr lang="en-GB" sz="3600" dirty="0"/>
+          </a:p>
+          <a:p>
+            <a:pPr indent="-381000">
+              <a:spcBef>
+                <a:spcPct val="50000"/>
+              </a:spcBef>
+              <a:defRPr/>
+            </a:pPr>
             <a:endParaRPr lang="en-GB" sz="6000" baseline="30000" dirty="0"/>
           </a:p>
         </p:txBody>
@@ -5189,7 +5223,7 @@
         <p:spPr bwMode="auto">
           <a:xfrm>
             <a:off x="658669" y="6314768"/>
-            <a:ext cx="10391610" cy="9726941"/>
+            <a:ext cx="10391610" cy="8116849"/>
           </a:xfrm>
           <a:prstGeom prst="rect">
             <a:avLst/>
@@ -5253,7 +5287,7 @@
         </p:nvSpPr>
         <p:spPr bwMode="auto">
           <a:xfrm>
-            <a:off x="579874" y="17134988"/>
+            <a:off x="619271" y="14954519"/>
             <a:ext cx="10470406" cy="19169420"/>
           </a:xfrm>
           <a:prstGeom prst="rect">
@@ -5291,8 +5325,13 @@
           <a:p>
             <a:r>
               <a:rPr lang="en-GB" dirty="0"/>
-              <a:t>Already-known Algorithms</a:t>
-            </a:r>
+              <a:t>Already-known </a:t>
+            </a:r>
+            <a:r>
+              <a:rPr lang="en-GB" dirty="0" smtClean="0"/>
+              <a:t>Solvers</a:t>
+            </a:r>
+            <a:endParaRPr lang="en-GB" dirty="0"/>
           </a:p>
           <a:p>
             <a:endParaRPr lang="en-GB" dirty="0"/>
@@ -5439,19 +5478,7 @@
               </a:pPr>
               <a:r>
                 <a:rPr lang="en-US" sz="6000" baseline="30000" dirty="0"/>
-                <a:t>Sudoku </a:t>
-              </a:r>
-              <a:r>
-                <a:rPr lang="en-US" sz="6000" baseline="30000" dirty="0"/>
-                <a:t>is a popular logic-based </a:t>
-              </a:r>
-              <a:r>
-                <a:rPr lang="en-US" sz="6000" baseline="30000" dirty="0"/>
-                <a:t>puzzle where </a:t>
-              </a:r>
-              <a:r>
-                <a:rPr lang="en-US" sz="6000" baseline="30000" dirty="0"/>
-                <a:t>the objective is to fill a 9×9 grid with numbers, with a subset of the solution already given, so that each column, each row, and each of the nine 3×3 sub-grids contains all of the numbers from 1 to 9. The puzzle is often given like Fig.1.</a:t>
+                <a:t>Sudoku is a popular logic-based puzzle where the objective is to fill a 9×9 grid with numbers, with a subset of the solution already given, so that each column, each row, and each of the nine 3×3 sub-grids contains all of the numbers from 1 to 9. The puzzle is often given like Fig.1.</a:t>
               </a:r>
             </a:p>
           </p:txBody>
@@ -5577,10 +5604,10 @@
           </p:nvGrpSpPr>
           <p:grpSpPr>
             <a:xfrm>
-              <a:off x="22484990" y="10864825"/>
-              <a:ext cx="8990373" cy="9827822"/>
-              <a:chOff x="22484990" y="13549703"/>
-              <a:chExt cx="8990373" cy="9827822"/>
+              <a:off x="22484990" y="11055311"/>
+              <a:ext cx="8990373" cy="9637336"/>
+              <a:chOff x="22484990" y="13740189"/>
+              <a:chExt cx="8990373" cy="9637336"/>
             </a:xfrm>
             <a:solidFill>
               <a:schemeClr val="accent2">
@@ -5610,7 +5637,7 @@
             </p:blipFill>
             <p:spPr bwMode="auto">
               <a:xfrm>
-                <a:off x="22484990" y="13549703"/>
+                <a:off x="22484990" y="13740189"/>
                 <a:ext cx="8990373" cy="8990373"/>
               </a:xfrm>
               <a:prstGeom prst="rect">
@@ -5667,54 +5694,54 @@
           <p:nvPr>
             <p:extLst>
               <p:ext uri="{D42A27DB-BD31-4B8C-83A1-F6EECF244321}">
-                <p14:modId xmlns:p14="http://schemas.microsoft.com/office/powerpoint/2010/main" val="1579935062"/>
+                <p14:modId xmlns:p14="http://schemas.microsoft.com/office/powerpoint/2010/main" val="1108538063"/>
               </p:ext>
             </p:extLst>
           </p:nvPr>
         </p:nvGraphicFramePr>
         <p:xfrm>
-          <a:off x="1042118" y="18667639"/>
+          <a:off x="1042118" y="16359211"/>
           <a:ext cx="9571379" cy="17406919"/>
         </p:xfrm>
         <a:graphic>
           <a:graphicData uri="http://schemas.openxmlformats.org/drawingml/2006/table">
             <a:tbl>
               <a:tblPr firstRow="1" firstCol="1" bandRow="1">
-                <a:tableStyleId>{5C22544A-7EE6-4342-B048-85BDC9FD1C3A}</a:tableStyleId>
+                <a:tableStyleId>{6E25E649-3F16-4E02-A733-19D2CDBF48F0}</a:tableStyleId>
               </a:tblPr>
               <a:tblGrid>
                 <a:gridCol w="1914276">
                   <a:extLst>
                     <a:ext uri="{9D8B030D-6E8A-4147-A177-3AD203B41FA5}">
-                      <a16:colId xmlns:a16="http://schemas.microsoft.com/office/drawing/2014/main" val="1039473456"/>
+                      <a16:colId xmlns:a16="http://schemas.microsoft.com/office/drawing/2014/main" xmlns="" val="1039473456"/>
                     </a:ext>
                   </a:extLst>
                 </a:gridCol>
                 <a:gridCol w="2330108">
                   <a:extLst>
                     <a:ext uri="{9D8B030D-6E8A-4147-A177-3AD203B41FA5}">
-                      <a16:colId xmlns:a16="http://schemas.microsoft.com/office/drawing/2014/main" val="2870494464"/>
+                      <a16:colId xmlns:a16="http://schemas.microsoft.com/office/drawing/2014/main" xmlns="" val="2870494464"/>
                     </a:ext>
                   </a:extLst>
                 </a:gridCol>
                 <a:gridCol w="1461674">
                   <a:extLst>
                     <a:ext uri="{9D8B030D-6E8A-4147-A177-3AD203B41FA5}">
-                      <a16:colId xmlns:a16="http://schemas.microsoft.com/office/drawing/2014/main" val="2513493371"/>
+                      <a16:colId xmlns:a16="http://schemas.microsoft.com/office/drawing/2014/main" xmlns="" val="2513493371"/>
                     </a:ext>
                   </a:extLst>
                 </a:gridCol>
                 <a:gridCol w="2468607">
                   <a:extLst>
                     <a:ext uri="{9D8B030D-6E8A-4147-A177-3AD203B41FA5}">
-                      <a16:colId xmlns:a16="http://schemas.microsoft.com/office/drawing/2014/main" val="2231507173"/>
+                      <a16:colId xmlns:a16="http://schemas.microsoft.com/office/drawing/2014/main" xmlns="" val="2231507173"/>
                     </a:ext>
                   </a:extLst>
                 </a:gridCol>
                 <a:gridCol w="1396714">
                   <a:extLst>
                     <a:ext uri="{9D8B030D-6E8A-4147-A177-3AD203B41FA5}">
-                      <a16:colId xmlns:a16="http://schemas.microsoft.com/office/drawing/2014/main" val="1262578465"/>
+                      <a16:colId xmlns:a16="http://schemas.microsoft.com/office/drawing/2014/main" xmlns="" val="1262578465"/>
                     </a:ext>
                   </a:extLst>
                 </a:gridCol>
@@ -5734,10 +5761,39 @@
                         </a:spcAft>
                       </a:pPr>
                       <a:r>
+                        <a:rPr lang="en-US" sz="2700" dirty="0">
+                          <a:effectLst/>
+                        </a:rPr>
+                        <a:t>Solver</a:t>
+                      </a:r>
+                      <a:endParaRPr lang="en-US" sz="3600" dirty="0">
+                        <a:effectLst/>
+                        <a:latin typeface="Calibri" panose="020F0502020204030204" pitchFamily="34" charset="0"/>
+                        <a:ea typeface="宋体" panose="02010600030101010101" pitchFamily="2" charset="-122"/>
+                        <a:cs typeface="Cordia New"/>
+                      </a:endParaRPr>
+                    </a:p>
+                  </a:txBody>
+                  <a:tcPr marL="0" marR="0" marT="0" marB="0" anchor="ctr"/>
+                </a:tc>
+                <a:tc>
+                  <a:txBody>
+                    <a:bodyPr/>
+                    <a:lstStyle/>
+                    <a:p>
+                      <a:pPr marL="0" marR="0" algn="ctr">
+                        <a:spcBef>
+                          <a:spcPts val="0"/>
+                        </a:spcBef>
+                        <a:spcAft>
+                          <a:spcPts val="0"/>
+                        </a:spcAft>
+                      </a:pPr>
+                      <a:r>
                         <a:rPr lang="en-US" sz="2700">
                           <a:effectLst/>
                         </a:rPr>
-                        <a:t>Solver</a:t>
+                        <a:t>Algorithm</a:t>
                       </a:r>
                       <a:endParaRPr lang="en-US" sz="3600">
                         <a:effectLst/>
@@ -5766,7 +5822,7 @@
                         <a:rPr lang="en-US" sz="2700">
                           <a:effectLst/>
                         </a:rPr>
-                        <a:t>Algorithm</a:t>
+                        <a:t>Test Unique?</a:t>
                       </a:r>
                       <a:endParaRPr lang="en-US" sz="3600">
                         <a:effectLst/>
@@ -5792,35 +5848,6 @@
                         </a:spcAft>
                       </a:pPr>
                       <a:r>
-                        <a:rPr lang="en-US" sz="2700">
-                          <a:effectLst/>
-                        </a:rPr>
-                        <a:t>Test Unique?</a:t>
-                      </a:r>
-                      <a:endParaRPr lang="en-US" sz="3600">
-                        <a:effectLst/>
-                        <a:latin typeface="Calibri" panose="020F0502020204030204" pitchFamily="34" charset="0"/>
-                        <a:ea typeface="宋体" panose="02010600030101010101" pitchFamily="2" charset="-122"/>
-                        <a:cs typeface="Cordia New"/>
-                      </a:endParaRPr>
-                    </a:p>
-                  </a:txBody>
-                  <a:tcPr marL="0" marR="0" marT="0" marB="0" anchor="ctr"/>
-                </a:tc>
-                <a:tc>
-                  <a:txBody>
-                    <a:bodyPr/>
-                    <a:lstStyle/>
-                    <a:p>
-                      <a:pPr marL="0" marR="0" algn="ctr">
-                        <a:spcBef>
-                          <a:spcPts val="0"/>
-                        </a:spcBef>
-                        <a:spcAft>
-                          <a:spcPts val="0"/>
-                        </a:spcAft>
-                      </a:pPr>
-                      <a:r>
                         <a:rPr lang="en-US" sz="2700" dirty="0">
                           <a:effectLst/>
                         </a:rPr>
@@ -5867,7 +5894,7 @@
                 </a:tc>
                 <a:extLst>
                   <a:ext uri="{0D108BD9-81ED-4DB2-BD59-A6C34878D82A}">
-                    <a16:rowId xmlns:a16="http://schemas.microsoft.com/office/drawing/2014/main" val="4056657713"/>
+                    <a16:rowId xmlns:a16="http://schemas.microsoft.com/office/drawing/2014/main" xmlns="" val="4056657713"/>
                   </a:ext>
                 </a:extLst>
               </a:tr>
@@ -5886,11 +5913,43 @@
                         </a:spcAft>
                       </a:pPr>
                       <a:r>
-                        <a:rPr lang="en-US" sz="2700" u="sng">
+                        <a:rPr lang="en-US" sz="2700" u="none" dirty="0">
                           <a:effectLst/>
                           <a:hlinkClick r:id="rId8"/>
                         </a:rPr>
                         <a:t>JSolve</a:t>
+                      </a:r>
+                      <a:endParaRPr lang="en-US" sz="3600" u="none" dirty="0">
+                        <a:solidFill>
+                          <a:schemeClr val="bg1"/>
+                        </a:solidFill>
+                        <a:effectLst/>
+                        <a:latin typeface="Calibri" panose="020F0502020204030204" pitchFamily="34" charset="0"/>
+                        <a:ea typeface="宋体" panose="02010600030101010101" pitchFamily="2" charset="-122"/>
+                        <a:cs typeface="Cordia New"/>
+                      </a:endParaRPr>
+                    </a:p>
+                  </a:txBody>
+                  <a:tcPr marL="0" marR="0" marT="0" marB="0" anchor="ctr"/>
+                </a:tc>
+                <a:tc>
+                  <a:txBody>
+                    <a:bodyPr/>
+                    <a:lstStyle/>
+                    <a:p>
+                      <a:pPr marL="0" marR="0">
+                        <a:spcBef>
+                          <a:spcPts val="0"/>
+                        </a:spcBef>
+                        <a:spcAft>
+                          <a:spcPts val="0"/>
+                        </a:spcAft>
+                      </a:pPr>
+                      <a:r>
+                        <a:rPr lang="en-US" sz="2700">
+                          <a:effectLst/>
+                        </a:rPr>
+                        <a:t>backtracking</a:t>
                       </a:r>
                       <a:endParaRPr lang="en-US" sz="3600">
                         <a:effectLst/>
@@ -5919,7 +5978,7 @@
                         <a:rPr lang="en-US" sz="2700">
                           <a:effectLst/>
                         </a:rPr>
-                        <a:t>backtracking</a:t>
+                        <a:t>Yes</a:t>
                       </a:r>
                       <a:endParaRPr lang="en-US" sz="3600">
                         <a:effectLst/>
@@ -5948,7 +6007,7 @@
                         <a:rPr lang="en-US" sz="2700">
                           <a:effectLst/>
                         </a:rPr>
-                        <a:t>Yes</a:t>
+                        <a:t>C</a:t>
                       </a:r>
                       <a:endParaRPr lang="en-US" sz="3600">
                         <a:effectLst/>
@@ -5977,7 +6036,76 @@
                         <a:rPr lang="en-US" sz="2700">
                           <a:effectLst/>
                         </a:rPr>
-                        <a:t>C</a:t>
+                        <a:t>No</a:t>
+                      </a:r>
+                      <a:endParaRPr lang="en-US" sz="3600">
+                        <a:effectLst/>
+                        <a:latin typeface="Calibri" panose="020F0502020204030204" pitchFamily="34" charset="0"/>
+                        <a:ea typeface="宋体" panose="02010600030101010101" pitchFamily="2" charset="-122"/>
+                        <a:cs typeface="Cordia New"/>
+                      </a:endParaRPr>
+                    </a:p>
+                  </a:txBody>
+                  <a:tcPr marL="0" marR="0" marT="0" marB="0" anchor="ctr"/>
+                </a:tc>
+                <a:extLst>
+                  <a:ext uri="{0D108BD9-81ED-4DB2-BD59-A6C34878D82A}">
+                    <a16:rowId xmlns:a16="http://schemas.microsoft.com/office/drawing/2014/main" xmlns="" val="3438490690"/>
+                  </a:ext>
+                </a:extLst>
+              </a:tr>
+              <a:tr h="1024481">
+                <a:tc>
+                  <a:txBody>
+                    <a:bodyPr/>
+                    <a:lstStyle/>
+                    <a:p>
+                      <a:pPr marL="0" marR="0" algn="ctr">
+                        <a:spcBef>
+                          <a:spcPts val="0"/>
+                        </a:spcBef>
+                        <a:spcAft>
+                          <a:spcPts val="0"/>
+                        </a:spcAft>
+                      </a:pPr>
+                      <a:r>
+                        <a:rPr lang="en-US" sz="2700" u="sng" dirty="0">
+                          <a:effectLst/>
+                          <a:hlinkClick r:id="rId9"/>
+                        </a:rPr>
+                        <a:t>kudoku</a:t>
+                      </a:r>
+                      <a:endParaRPr lang="en-US" sz="3600" dirty="0">
+                        <a:solidFill>
+                          <a:schemeClr val="bg1"/>
+                        </a:solidFill>
+                        <a:effectLst/>
+                        <a:latin typeface="Calibri" panose="020F0502020204030204" pitchFamily="34" charset="0"/>
+                        <a:ea typeface="宋体" panose="02010600030101010101" pitchFamily="2" charset="-122"/>
+                        <a:cs typeface="Cordia New"/>
+                      </a:endParaRPr>
+                    </a:p>
+                  </a:txBody>
+                  <a:tcPr marL="0" marR="0" marT="0" marB="0" anchor="ctr"/>
+                </a:tc>
+                <a:tc>
+                  <a:txBody>
+                    <a:bodyPr/>
+                    <a:lstStyle/>
+                    <a:p>
+                      <a:pPr marL="0" marR="0">
+                        <a:spcBef>
+                          <a:spcPts val="0"/>
+                        </a:spcBef>
+                        <a:spcAft>
+                          <a:spcPts val="0"/>
+                        </a:spcAft>
+                      </a:pPr>
+                      <a:r>
+                        <a:rPr lang="en-US" sz="2700">
+                          <a:effectLst/>
+                        </a:rPr>
+                        <a:t>backtracking</a:t>
                       </a:r>
                       <a:endParaRPr lang="en-US" sz="3600">
                         <a:effectLst/>
@@ -6003,10 +6131,68 @@
                         </a:spcAft>
                       </a:pPr>
                       <a:r>
+                        <a:rPr lang="en-US" sz="2700" dirty="0">
+                          <a:effectLst/>
+                        </a:rPr>
+                        <a:t>Yes</a:t>
+                      </a:r>
+                      <a:endParaRPr lang="en-US" sz="3600" dirty="0">
+                        <a:effectLst/>
+                        <a:latin typeface="Calibri" panose="020F0502020204030204" pitchFamily="34" charset="0"/>
+                        <a:ea typeface="宋体" panose="02010600030101010101" pitchFamily="2" charset="-122"/>
+                        <a:cs typeface="Cordia New"/>
+                      </a:endParaRPr>
+                    </a:p>
+                  </a:txBody>
+                  <a:tcPr marL="0" marR="0" marT="0" marB="0" anchor="ctr"/>
+                </a:tc>
+                <a:tc>
+                  <a:txBody>
+                    <a:bodyPr/>
+                    <a:lstStyle/>
+                    <a:p>
+                      <a:pPr marL="0" marR="0">
+                        <a:spcBef>
+                          <a:spcPts val="0"/>
+                        </a:spcBef>
+                        <a:spcAft>
+                          <a:spcPts val="0"/>
+                        </a:spcAft>
+                      </a:pPr>
+                      <a:r>
+                        <a:rPr lang="en-US" sz="2700" dirty="0">
+                          <a:effectLst/>
+                        </a:rPr>
+                        <a:t>C</a:t>
+                      </a:r>
+                      <a:endParaRPr lang="en-US" sz="3600" dirty="0">
+                        <a:effectLst/>
+                        <a:latin typeface="Calibri" panose="020F0502020204030204" pitchFamily="34" charset="0"/>
+                        <a:ea typeface="宋体" panose="02010600030101010101" pitchFamily="2" charset="-122"/>
+                        <a:cs typeface="Cordia New"/>
+                      </a:endParaRPr>
+                    </a:p>
+                  </a:txBody>
+                  <a:tcPr marL="0" marR="0" marT="0" marB="0" anchor="ctr"/>
+                </a:tc>
+                <a:tc>
+                  <a:txBody>
+                    <a:bodyPr/>
+                    <a:lstStyle/>
+                    <a:p>
+                      <a:pPr marL="0" marR="0">
+                        <a:spcBef>
+                          <a:spcPts val="0"/>
+                        </a:spcBef>
+                        <a:spcAft>
+                          <a:spcPts val="0"/>
+                        </a:spcAft>
+                      </a:pPr>
+                      <a:r>
                         <a:rPr lang="en-US" sz="2700">
                           <a:effectLst/>
                         </a:rPr>
-                        <a:t>No</a:t>
+                        <a:t>Yes</a:t>
                       </a:r>
                       <a:endParaRPr lang="en-US" sz="3600">
                         <a:effectLst/>
@@ -6020,7 +6206,7 @@
                 </a:tc>
                 <a:extLst>
                   <a:ext uri="{0D108BD9-81ED-4DB2-BD59-A6C34878D82A}">
-                    <a16:rowId xmlns:a16="http://schemas.microsoft.com/office/drawing/2014/main" val="3438490690"/>
+                    <a16:rowId xmlns:a16="http://schemas.microsoft.com/office/drawing/2014/main" xmlns="" val="102328981"/>
                   </a:ext>
                 </a:extLst>
               </a:tr>
@@ -6039,11 +6225,43 @@
                         </a:spcAft>
                       </a:pPr>
                       <a:r>
-                        <a:rPr lang="en-US" sz="2700" u="sng">
+                        <a:rPr lang="en-US" sz="2700" u="sng" dirty="0">
                           <a:effectLst/>
-                          <a:hlinkClick r:id="rId9"/>
+                          <a:hlinkClick r:id="rId10"/>
                         </a:rPr>
-                        <a:t>kudoku</a:t>
+                        <a:t>fast_solv_9r2</a:t>
+                      </a:r>
+                      <a:endParaRPr lang="en-US" sz="3600" dirty="0">
+                        <a:solidFill>
+                          <a:schemeClr val="bg1"/>
+                        </a:solidFill>
+                        <a:effectLst/>
+                        <a:latin typeface="Calibri" panose="020F0502020204030204" pitchFamily="34" charset="0"/>
+                        <a:ea typeface="宋体" panose="02010600030101010101" pitchFamily="2" charset="-122"/>
+                        <a:cs typeface="Cordia New"/>
+                      </a:endParaRPr>
+                    </a:p>
+                  </a:txBody>
+                  <a:tcPr marL="0" marR="0" marT="0" marB="0" anchor="ctr"/>
+                </a:tc>
+                <a:tc>
+                  <a:txBody>
+                    <a:bodyPr/>
+                    <a:lstStyle/>
+                    <a:p>
+                      <a:pPr marL="0" marR="0">
+                        <a:spcBef>
+                          <a:spcPts val="0"/>
+                        </a:spcBef>
+                        <a:spcAft>
+                          <a:spcPts val="0"/>
+                        </a:spcAft>
+                      </a:pPr>
+                      <a:r>
+                        <a:rPr lang="en-US" sz="2700">
+                          <a:effectLst/>
+                        </a:rPr>
+                        <a:t>DLX</a:t>
                       </a:r>
                       <a:endParaRPr lang="en-US" sz="3600">
                         <a:effectLst/>
@@ -6072,7 +6290,7 @@
                         <a:rPr lang="en-US" sz="2700">
                           <a:effectLst/>
                         </a:rPr>
-                        <a:t>backtracking</a:t>
+                        <a:t>Yes</a:t>
                       </a:r>
                       <a:endParaRPr lang="en-US" sz="3600">
                         <a:effectLst/>
@@ -6101,7 +6319,7 @@
                         <a:rPr lang="en-US" sz="2700">
                           <a:effectLst/>
                         </a:rPr>
-                        <a:t>Yes</a:t>
+                        <a:t>C</a:t>
                       </a:r>
                       <a:endParaRPr lang="en-US" sz="3600">
                         <a:effectLst/>
@@ -6130,7 +6348,76 @@
                         <a:rPr lang="en-US" sz="2700">
                           <a:effectLst/>
                         </a:rPr>
-                        <a:t>C</a:t>
+                        <a:t>Yes</a:t>
+                      </a:r>
+                      <a:endParaRPr lang="en-US" sz="3600">
+                        <a:effectLst/>
+                        <a:latin typeface="Calibri" panose="020F0502020204030204" pitchFamily="34" charset="0"/>
+                        <a:ea typeface="宋体" panose="02010600030101010101" pitchFamily="2" charset="-122"/>
+                        <a:cs typeface="Cordia New"/>
+                      </a:endParaRPr>
+                    </a:p>
+                  </a:txBody>
+                  <a:tcPr marL="0" marR="0" marT="0" marB="0" anchor="ctr"/>
+                </a:tc>
+                <a:extLst>
+                  <a:ext uri="{0D108BD9-81ED-4DB2-BD59-A6C34878D82A}">
+                    <a16:rowId xmlns:a16="http://schemas.microsoft.com/office/drawing/2014/main" xmlns="" val="367670767"/>
+                  </a:ext>
+                </a:extLst>
+              </a:tr>
+              <a:tr h="1024481">
+                <a:tc>
+                  <a:txBody>
+                    <a:bodyPr/>
+                    <a:lstStyle/>
+                    <a:p>
+                      <a:pPr marL="0" marR="0" algn="ctr">
+                        <a:spcBef>
+                          <a:spcPts val="0"/>
+                        </a:spcBef>
+                        <a:spcAft>
+                          <a:spcPts val="0"/>
+                        </a:spcAft>
+                      </a:pPr>
+                      <a:r>
+                        <a:rPr lang="en-US" sz="2700" u="sng" dirty="0">
+                          <a:effectLst/>
+                          <a:hlinkClick r:id="rId11"/>
+                        </a:rPr>
+                        <a:t>kudoku</a:t>
+                      </a:r>
+                      <a:endParaRPr lang="en-US" sz="3600" dirty="0">
+                        <a:solidFill>
+                          <a:schemeClr val="bg1"/>
+                        </a:solidFill>
+                        <a:effectLst/>
+                        <a:latin typeface="Calibri" panose="020F0502020204030204" pitchFamily="34" charset="0"/>
+                        <a:ea typeface="宋体" panose="02010600030101010101" pitchFamily="2" charset="-122"/>
+                        <a:cs typeface="Cordia New"/>
+                      </a:endParaRPr>
+                    </a:p>
+                  </a:txBody>
+                  <a:tcPr marL="0" marR="0" marT="0" marB="0" anchor="ctr"/>
+                </a:tc>
+                <a:tc>
+                  <a:txBody>
+                    <a:bodyPr/>
+                    <a:lstStyle/>
+                    <a:p>
+                      <a:pPr marL="0" marR="0">
+                        <a:spcBef>
+                          <a:spcPts val="0"/>
+                        </a:spcBef>
+                        <a:spcAft>
+                          <a:spcPts val="0"/>
+                        </a:spcAft>
+                      </a:pPr>
+                      <a:r>
+                        <a:rPr lang="en-US" sz="2700">
+                          <a:effectLst/>
+                        </a:rPr>
+                        <a:t>backtracking</a:t>
                       </a:r>
                       <a:endParaRPr lang="en-US" sz="3600">
                         <a:effectLst/>
@@ -6171,19 +6458,12 @@
                   </a:txBody>
                   <a:tcPr marL="0" marR="0" marT="0" marB="0" anchor="ctr"/>
                 </a:tc>
-                <a:extLst>
-                  <a:ext uri="{0D108BD9-81ED-4DB2-BD59-A6C34878D82A}">
-                    <a16:rowId xmlns:a16="http://schemas.microsoft.com/office/drawing/2014/main" val="102328981"/>
-                  </a:ext>
-                </a:extLst>
-              </a:tr>
-              <a:tr h="1024481">
                 <a:tc>
                   <a:txBody>
                     <a:bodyPr/>
                     <a:lstStyle/>
                     <a:p>
-                      <a:pPr marL="0" marR="0" algn="ctr">
+                      <a:pPr marL="0" marR="0">
                         <a:spcBef>
                           <a:spcPts val="0"/>
                         </a:spcBef>
@@ -6192,11 +6472,10 @@
                         </a:spcAft>
                       </a:pPr>
                       <a:r>
-                        <a:rPr lang="en-US" sz="2700" u="sng">
+                        <a:rPr lang="en-US" sz="2700">
                           <a:effectLst/>
-                          <a:hlinkClick r:id="rId10"/>
                         </a:rPr>
-                        <a:t>fast_solv_9r2</a:t>
+                        <a:t>Java</a:t>
                       </a:r>
                       <a:endParaRPr lang="en-US" sz="3600">
                         <a:effectLst/>
@@ -6225,7 +6504,105 @@
                         <a:rPr lang="en-US" sz="2700">
                           <a:effectLst/>
                         </a:rPr>
-                        <a:t>DLX</a:t>
+                        <a:t>Yes</a:t>
+                      </a:r>
+                      <a:endParaRPr lang="en-US" sz="3600">
+                        <a:effectLst/>
+                        <a:latin typeface="Calibri" panose="020F0502020204030204" pitchFamily="34" charset="0"/>
+                        <a:ea typeface="宋体" panose="02010600030101010101" pitchFamily="2" charset="-122"/>
+                        <a:cs typeface="Cordia New"/>
+                      </a:endParaRPr>
+                    </a:p>
+                  </a:txBody>
+                  <a:tcPr marL="0" marR="0" marT="0" marB="0" anchor="ctr"/>
+                </a:tc>
+                <a:extLst>
+                  <a:ext uri="{0D108BD9-81ED-4DB2-BD59-A6C34878D82A}">
+                    <a16:rowId xmlns:a16="http://schemas.microsoft.com/office/drawing/2014/main" xmlns="" val="799471299"/>
+                  </a:ext>
+                </a:extLst>
+              </a:tr>
+              <a:tr h="1024481">
+                <a:tc>
+                  <a:txBody>
+                    <a:bodyPr/>
+                    <a:lstStyle/>
+                    <a:p>
+                      <a:pPr marL="0" marR="0" algn="ctr">
+                        <a:spcBef>
+                          <a:spcPts val="0"/>
+                        </a:spcBef>
+                        <a:spcAft>
+                          <a:spcPts val="0"/>
+                        </a:spcAft>
+                      </a:pPr>
+                      <a:r>
+                        <a:rPr lang="en-US" sz="2700" u="sng" dirty="0">
+                          <a:effectLst/>
+                          <a:hlinkClick r:id="rId12"/>
+                        </a:rPr>
+                        <a:t>kudoku</a:t>
+                      </a:r>
+                      <a:endParaRPr lang="en-US" sz="3600" dirty="0">
+                        <a:solidFill>
+                          <a:schemeClr val="bg1"/>
+                        </a:solidFill>
+                        <a:effectLst/>
+                        <a:latin typeface="Calibri" panose="020F0502020204030204" pitchFamily="34" charset="0"/>
+                        <a:ea typeface="宋体" panose="02010600030101010101" pitchFamily="2" charset="-122"/>
+                        <a:cs typeface="Cordia New"/>
+                      </a:endParaRPr>
+                    </a:p>
+                  </a:txBody>
+                  <a:tcPr marL="0" marR="0" marT="0" marB="0" anchor="ctr"/>
+                </a:tc>
+                <a:tc>
+                  <a:txBody>
+                    <a:bodyPr/>
+                    <a:lstStyle/>
+                    <a:p>
+                      <a:pPr marL="0" marR="0">
+                        <a:spcBef>
+                          <a:spcPts val="0"/>
+                        </a:spcBef>
+                        <a:spcAft>
+                          <a:spcPts val="0"/>
+                        </a:spcAft>
+                      </a:pPr>
+                      <a:r>
+                        <a:rPr lang="en-US" sz="2700" dirty="0">
+                          <a:effectLst/>
+                        </a:rPr>
+                        <a:t>backtracking</a:t>
+                      </a:r>
+                      <a:endParaRPr lang="en-US" sz="3600" dirty="0">
+                        <a:effectLst/>
+                        <a:latin typeface="Calibri" panose="020F0502020204030204" pitchFamily="34" charset="0"/>
+                        <a:ea typeface="宋体" panose="02010600030101010101" pitchFamily="2" charset="-122"/>
+                        <a:cs typeface="Cordia New"/>
+                      </a:endParaRPr>
+                    </a:p>
+                  </a:txBody>
+                  <a:tcPr marL="0" marR="0" marT="0" marB="0" anchor="ctr"/>
+                </a:tc>
+                <a:tc>
+                  <a:txBody>
+                    <a:bodyPr/>
+                    <a:lstStyle/>
+                    <a:p>
+                      <a:pPr marL="0" marR="0">
+                        <a:spcBef>
+                          <a:spcPts val="0"/>
+                        </a:spcBef>
+                        <a:spcAft>
+                          <a:spcPts val="0"/>
+                        </a:spcAft>
+                      </a:pPr>
+                      <a:r>
+                        <a:rPr lang="en-US" sz="2700">
+                          <a:effectLst/>
+                        </a:rPr>
+                        <a:t>Yes</a:t>
                       </a:r>
                       <a:endParaRPr lang="en-US" sz="3600">
                         <a:effectLst/>
@@ -6254,7 +6631,7 @@
                         <a:rPr lang="en-US" sz="2700">
                           <a:effectLst/>
                         </a:rPr>
-                        <a:t>Yes</a:t>
+                        <a:t>JavaScript</a:t>
                       </a:r>
                       <a:endParaRPr lang="en-US" sz="3600">
                         <a:effectLst/>
@@ -6283,7 +6660,76 @@
                         <a:rPr lang="en-US" sz="2700">
                           <a:effectLst/>
                         </a:rPr>
-                        <a:t>C</a:t>
+                        <a:t>Yes</a:t>
+                      </a:r>
+                      <a:endParaRPr lang="en-US" sz="3600">
+                        <a:effectLst/>
+                        <a:latin typeface="Calibri" panose="020F0502020204030204" pitchFamily="34" charset="0"/>
+                        <a:ea typeface="宋体" panose="02010600030101010101" pitchFamily="2" charset="-122"/>
+                        <a:cs typeface="Cordia New"/>
+                      </a:endParaRPr>
+                    </a:p>
+                  </a:txBody>
+                  <a:tcPr marL="0" marR="0" marT="0" marB="0" anchor="ctr"/>
+                </a:tc>
+                <a:extLst>
+                  <a:ext uri="{0D108BD9-81ED-4DB2-BD59-A6C34878D82A}">
+                    <a16:rowId xmlns:a16="http://schemas.microsoft.com/office/drawing/2014/main" xmlns="" val="1363539698"/>
+                  </a:ext>
+                </a:extLst>
+              </a:tr>
+              <a:tr h="1024481">
+                <a:tc>
+                  <a:txBody>
+                    <a:bodyPr/>
+                    <a:lstStyle/>
+                    <a:p>
+                      <a:pPr marL="0" marR="0" algn="ctr">
+                        <a:spcBef>
+                          <a:spcPts val="0"/>
+                        </a:spcBef>
+                        <a:spcAft>
+                          <a:spcPts val="0"/>
+                        </a:spcAft>
+                      </a:pPr>
+                      <a:r>
+                        <a:rPr lang="en-US" sz="2700" u="sng" dirty="0">
+                          <a:effectLst/>
+                          <a:hlinkClick r:id="rId13"/>
+                        </a:rPr>
+                        <a:t>kudoku</a:t>
+                      </a:r>
+                      <a:endParaRPr lang="en-US" sz="3600" dirty="0">
+                        <a:solidFill>
+                          <a:schemeClr val="bg1"/>
+                        </a:solidFill>
+                        <a:effectLst/>
+                        <a:latin typeface="Calibri" panose="020F0502020204030204" pitchFamily="34" charset="0"/>
+                        <a:ea typeface="宋体" panose="02010600030101010101" pitchFamily="2" charset="-122"/>
+                        <a:cs typeface="Cordia New"/>
+                      </a:endParaRPr>
+                    </a:p>
+                  </a:txBody>
+                  <a:tcPr marL="0" marR="0" marT="0" marB="0" anchor="ctr"/>
+                </a:tc>
+                <a:tc>
+                  <a:txBody>
+                    <a:bodyPr/>
+                    <a:lstStyle/>
+                    <a:p>
+                      <a:pPr marL="0" marR="0">
+                        <a:spcBef>
+                          <a:spcPts val="0"/>
+                        </a:spcBef>
+                        <a:spcAft>
+                          <a:spcPts val="0"/>
+                        </a:spcAft>
+                      </a:pPr>
+                      <a:r>
+                        <a:rPr lang="en-US" sz="2700">
+                          <a:effectLst/>
+                        </a:rPr>
+                        <a:t>backtracking</a:t>
                       </a:r>
                       <a:endParaRPr lang="en-US" sz="3600">
                         <a:effectLst/>
@@ -6324,19 +6770,12 @@
                   </a:txBody>
                   <a:tcPr marL="0" marR="0" marT="0" marB="0" anchor="ctr"/>
                 </a:tc>
-                <a:extLst>
-                  <a:ext uri="{0D108BD9-81ED-4DB2-BD59-A6C34878D82A}">
-                    <a16:rowId xmlns:a16="http://schemas.microsoft.com/office/drawing/2014/main" val="367670767"/>
-                  </a:ext>
-                </a:extLst>
-              </a:tr>
-              <a:tr h="1024481">
                 <a:tc>
                   <a:txBody>
                     <a:bodyPr/>
                     <a:lstStyle/>
                     <a:p>
-                      <a:pPr marL="0" marR="0" algn="ctr">
+                      <a:pPr marL="0" marR="0">
                         <a:spcBef>
                           <a:spcPts val="0"/>
                         </a:spcBef>
@@ -6345,11 +6784,10 @@
                         </a:spcAft>
                       </a:pPr>
                       <a:r>
-                        <a:rPr lang="en-US" sz="2700" u="sng">
+                        <a:rPr lang="en-US" sz="2700">
                           <a:effectLst/>
-                          <a:hlinkClick r:id="rId11"/>
                         </a:rPr>
-                        <a:t>kudoku</a:t>
+                        <a:t>Lua</a:t>
                       </a:r>
                       <a:endParaRPr lang="en-US" sz="3600">
                         <a:effectLst/>
@@ -6378,7 +6816,76 @@
                         <a:rPr lang="en-US" sz="2700">
                           <a:effectLst/>
                         </a:rPr>
-                        <a:t>backtracking</a:t>
+                        <a:t>Yes</a:t>
+                      </a:r>
+                      <a:endParaRPr lang="en-US" sz="3600">
+                        <a:effectLst/>
+                        <a:latin typeface="Calibri" panose="020F0502020204030204" pitchFamily="34" charset="0"/>
+                        <a:ea typeface="宋体" panose="02010600030101010101" pitchFamily="2" charset="-122"/>
+                        <a:cs typeface="Cordia New"/>
+                      </a:endParaRPr>
+                    </a:p>
+                  </a:txBody>
+                  <a:tcPr marL="0" marR="0" marT="0" marB="0" anchor="ctr"/>
+                </a:tc>
+                <a:extLst>
+                  <a:ext uri="{0D108BD9-81ED-4DB2-BD59-A6C34878D82A}">
+                    <a16:rowId xmlns:a16="http://schemas.microsoft.com/office/drawing/2014/main" xmlns="" val="3929061580"/>
+                  </a:ext>
+                </a:extLst>
+              </a:tr>
+              <a:tr h="1024481">
+                <a:tc>
+                  <a:txBody>
+                    <a:bodyPr/>
+                    <a:lstStyle/>
+                    <a:p>
+                      <a:pPr marL="0" marR="0" algn="ctr">
+                        <a:spcBef>
+                          <a:spcPts val="0"/>
+                        </a:spcBef>
+                        <a:spcAft>
+                          <a:spcPts val="0"/>
+                        </a:spcAft>
+                      </a:pPr>
+                      <a:r>
+                        <a:rPr lang="en-US" sz="2700" u="sng" dirty="0">
+                          <a:effectLst/>
+                          <a:hlinkClick r:id="rId14"/>
+                        </a:rPr>
+                        <a:t>sudoku-bb</a:t>
+                      </a:r>
+                      <a:endParaRPr lang="en-US" sz="3600" dirty="0">
+                        <a:solidFill>
+                          <a:schemeClr val="bg1"/>
+                        </a:solidFill>
+                        <a:effectLst/>
+                        <a:latin typeface="Calibri" panose="020F0502020204030204" pitchFamily="34" charset="0"/>
+                        <a:ea typeface="宋体" panose="02010600030101010101" pitchFamily="2" charset="-122"/>
+                        <a:cs typeface="Cordia New"/>
+                      </a:endParaRPr>
+                    </a:p>
+                  </a:txBody>
+                  <a:tcPr marL="0" marR="0" marT="0" marB="0" anchor="ctr"/>
+                </a:tc>
+                <a:tc>
+                  <a:txBody>
+                    <a:bodyPr/>
+                    <a:lstStyle/>
+                    <a:p>
+                      <a:pPr marL="0" marR="0">
+                        <a:spcBef>
+                          <a:spcPts val="0"/>
+                        </a:spcBef>
+                        <a:spcAft>
+                          <a:spcPts val="0"/>
+                        </a:spcAft>
+                      </a:pPr>
+                      <a:r>
+                        <a:rPr lang="en-US" sz="2700">
+                          <a:effectLst/>
+                        </a:rPr>
+                        <a:t>Backtrack</a:t>
                       </a:r>
                       <a:endParaRPr lang="en-US" sz="3600">
                         <a:effectLst/>
@@ -6407,7 +6914,7 @@
                         <a:rPr lang="en-US" sz="2700">
                           <a:effectLst/>
                         </a:rPr>
-                        <a:t>Yes</a:t>
+                        <a:t>No</a:t>
                       </a:r>
                       <a:endParaRPr lang="en-US" sz="3600">
                         <a:effectLst/>
@@ -6436,7 +6943,7 @@
                         <a:rPr lang="en-US" sz="2700">
                           <a:effectLst/>
                         </a:rPr>
-                        <a:t>Java</a:t>
+                        <a:t>Python</a:t>
                       </a:r>
                       <a:endParaRPr lang="en-US" sz="3600">
                         <a:effectLst/>
@@ -6462,12 +6969,12 @@
                         </a:spcAft>
                       </a:pPr>
                       <a:r>
-                        <a:rPr lang="en-US" sz="2700">
+                        <a:rPr lang="en-US" sz="2700" dirty="0">
                           <a:effectLst/>
                         </a:rPr>
-                        <a:t>Yes</a:t>
-                      </a:r>
-                      <a:endParaRPr lang="en-US" sz="3600">
+                        <a:t>No</a:t>
+                      </a:r>
+                      <a:endParaRPr lang="en-US" sz="3600" dirty="0">
                         <a:effectLst/>
                         <a:latin typeface="Calibri" panose="020F0502020204030204" pitchFamily="34" charset="0"/>
                         <a:ea typeface="宋体" panose="02010600030101010101" pitchFamily="2" charset="-122"/>
@@ -6479,7 +6986,7 @@
                 </a:tc>
                 <a:extLst>
                   <a:ext uri="{0D108BD9-81ED-4DB2-BD59-A6C34878D82A}">
-                    <a16:rowId xmlns:a16="http://schemas.microsoft.com/office/drawing/2014/main" val="799471299"/>
+                    <a16:rowId xmlns:a16="http://schemas.microsoft.com/office/drawing/2014/main" xmlns="" val="1844048952"/>
                   </a:ext>
                 </a:extLst>
               </a:tr>
@@ -6498,11 +7005,43 @@
                         </a:spcAft>
                       </a:pPr>
                       <a:r>
-                        <a:rPr lang="en-US" sz="2700" u="sng">
+                        <a:rPr lang="en-US" sz="2700" u="sng" dirty="0">
                           <a:effectLst/>
-                          <a:hlinkClick r:id="rId12"/>
+                          <a:hlinkClick r:id="rId15"/>
                         </a:rPr>
-                        <a:t>kudoku</a:t>
+                        <a:t>sudoku-gh</a:t>
+                      </a:r>
+                      <a:endParaRPr lang="en-US" sz="3600" dirty="0">
+                        <a:solidFill>
+                          <a:schemeClr val="bg1"/>
+                        </a:solidFill>
+                        <a:effectLst/>
+                        <a:latin typeface="Calibri" panose="020F0502020204030204" pitchFamily="34" charset="0"/>
+                        <a:ea typeface="宋体" panose="02010600030101010101" pitchFamily="2" charset="-122"/>
+                        <a:cs typeface="Cordia New"/>
+                      </a:endParaRPr>
+                    </a:p>
+                  </a:txBody>
+                  <a:tcPr marL="0" marR="0" marT="0" marB="0" anchor="ctr"/>
+                </a:tc>
+                <a:tc>
+                  <a:txBody>
+                    <a:bodyPr/>
+                    <a:lstStyle/>
+                    <a:p>
+                      <a:pPr marL="0" marR="0">
+                        <a:spcBef>
+                          <a:spcPts val="0"/>
+                        </a:spcBef>
+                        <a:spcAft>
+                          <a:spcPts val="0"/>
+                        </a:spcAft>
+                      </a:pPr>
+                      <a:r>
+                        <a:rPr lang="en-US" sz="2700">
+                          <a:effectLst/>
+                        </a:rPr>
+                        <a:t>DLX</a:t>
                       </a:r>
                       <a:endParaRPr lang="en-US" sz="3600">
                         <a:effectLst/>
@@ -6531,7 +7070,7 @@
                         <a:rPr lang="en-US" sz="2700">
                           <a:effectLst/>
                         </a:rPr>
-                        <a:t>backtracking</a:t>
+                        <a:t>Yes</a:t>
                       </a:r>
                       <a:endParaRPr lang="en-US" sz="3600">
                         <a:effectLst/>
@@ -6560,7 +7099,7 @@
                         <a:rPr lang="en-US" sz="2700">
                           <a:effectLst/>
                         </a:rPr>
-                        <a:t>Yes</a:t>
+                        <a:t>JavaScript</a:t>
                       </a:r>
                       <a:endParaRPr lang="en-US" sz="3600">
                         <a:effectLst/>
@@ -6589,7 +7128,76 @@
                         <a:rPr lang="en-US" sz="2700">
                           <a:effectLst/>
                         </a:rPr>
-                        <a:t>JavaScript</a:t>
+                        <a:t>No</a:t>
+                      </a:r>
+                      <a:endParaRPr lang="en-US" sz="3600">
+                        <a:effectLst/>
+                        <a:latin typeface="Calibri" panose="020F0502020204030204" pitchFamily="34" charset="0"/>
+                        <a:ea typeface="宋体" panose="02010600030101010101" pitchFamily="2" charset="-122"/>
+                        <a:cs typeface="Cordia New"/>
+                      </a:endParaRPr>
+                    </a:p>
+                  </a:txBody>
+                  <a:tcPr marL="0" marR="0" marT="0" marB="0" anchor="ctr"/>
+                </a:tc>
+                <a:extLst>
+                  <a:ext uri="{0D108BD9-81ED-4DB2-BD59-A6C34878D82A}">
+                    <a16:rowId xmlns:a16="http://schemas.microsoft.com/office/drawing/2014/main" xmlns="" val="3313435659"/>
+                  </a:ext>
+                </a:extLst>
+              </a:tr>
+              <a:tr h="1024481">
+                <a:tc>
+                  <a:txBody>
+                    <a:bodyPr/>
+                    <a:lstStyle/>
+                    <a:p>
+                      <a:pPr marL="0" marR="0" algn="ctr">
+                        <a:spcBef>
+                          <a:spcPts val="0"/>
+                        </a:spcBef>
+                        <a:spcAft>
+                          <a:spcPts val="0"/>
+                        </a:spcAft>
+                      </a:pPr>
+                      <a:r>
+                        <a:rPr lang="en-US" sz="2700" u="sng" dirty="0">
+                          <a:effectLst/>
+                          <a:hlinkClick r:id="rId16"/>
+                        </a:rPr>
+                        <a:t>Peter Norvig’s</a:t>
+                      </a:r>
+                      <a:endParaRPr lang="en-US" sz="3600" dirty="0">
+                        <a:solidFill>
+                          <a:schemeClr val="bg1"/>
+                        </a:solidFill>
+                        <a:effectLst/>
+                        <a:latin typeface="Calibri" panose="020F0502020204030204" pitchFamily="34" charset="0"/>
+                        <a:ea typeface="宋体" panose="02010600030101010101" pitchFamily="2" charset="-122"/>
+                        <a:cs typeface="Cordia New"/>
+                      </a:endParaRPr>
+                    </a:p>
+                  </a:txBody>
+                  <a:tcPr marL="0" marR="0" marT="0" marB="0" anchor="ctr"/>
+                </a:tc>
+                <a:tc>
+                  <a:txBody>
+                    <a:bodyPr/>
+                    <a:lstStyle/>
+                    <a:p>
+                      <a:pPr marL="0" marR="0">
+                        <a:spcBef>
+                          <a:spcPts val="0"/>
+                        </a:spcBef>
+                        <a:spcAft>
+                          <a:spcPts val="0"/>
+                        </a:spcAft>
+                      </a:pPr>
+                      <a:r>
+                        <a:rPr lang="en-US" sz="2700">
+                          <a:effectLst/>
+                        </a:rPr>
+                        <a:t>backtracking</a:t>
                       </a:r>
                       <a:endParaRPr lang="en-US" sz="3600">
                         <a:effectLst/>
@@ -6618,44 +7226,7 @@
                         <a:rPr lang="en-US" sz="2700">
                           <a:effectLst/>
                         </a:rPr>
-                        <a:t>Yes</a:t>
-                      </a:r>
-                      <a:endParaRPr lang="en-US" sz="3600">
-                        <a:effectLst/>
-                        <a:latin typeface="Calibri" panose="020F0502020204030204" pitchFamily="34" charset="0"/>
-                        <a:ea typeface="宋体" panose="02010600030101010101" pitchFamily="2" charset="-122"/>
-                        <a:cs typeface="Cordia New"/>
-                      </a:endParaRPr>
-                    </a:p>
-                  </a:txBody>
-                  <a:tcPr marL="0" marR="0" marT="0" marB="0" anchor="ctr"/>
-                </a:tc>
-                <a:extLst>
-                  <a:ext uri="{0D108BD9-81ED-4DB2-BD59-A6C34878D82A}">
-                    <a16:rowId xmlns:a16="http://schemas.microsoft.com/office/drawing/2014/main" val="1363539698"/>
-                  </a:ext>
-                </a:extLst>
-              </a:tr>
-              <a:tr h="1024481">
-                <a:tc>
-                  <a:txBody>
-                    <a:bodyPr/>
-                    <a:lstStyle/>
-                    <a:p>
-                      <a:pPr marL="0" marR="0" algn="ctr">
-                        <a:spcBef>
-                          <a:spcPts val="0"/>
-                        </a:spcBef>
-                        <a:spcAft>
-                          <a:spcPts val="0"/>
-                        </a:spcAft>
-                      </a:pPr>
-                      <a:r>
-                        <a:rPr lang="en-US" sz="2700" u="sng">
-                          <a:effectLst/>
-                          <a:hlinkClick r:id="rId13"/>
-                        </a:rPr>
-                        <a:t>kudoku</a:t>
+                        <a:t>No</a:t>
                       </a:r>
                       <a:endParaRPr lang="en-US" sz="3600">
                         <a:effectLst/>
@@ -6684,7 +7255,7 @@
                         <a:rPr lang="en-US" sz="2700">
                           <a:effectLst/>
                         </a:rPr>
-                        <a:t>backtracking</a:t>
+                        <a:t>Python</a:t>
                       </a:r>
                       <a:endParaRPr lang="en-US" sz="3600">
                         <a:effectLst/>
@@ -6713,7 +7284,76 @@
                         <a:rPr lang="en-US" sz="2700">
                           <a:effectLst/>
                         </a:rPr>
-                        <a:t>Yes</a:t>
+                        <a:t>No</a:t>
+                      </a:r>
+                      <a:endParaRPr lang="en-US" sz="3600">
+                        <a:effectLst/>
+                        <a:latin typeface="Calibri" panose="020F0502020204030204" pitchFamily="34" charset="0"/>
+                        <a:ea typeface="宋体" panose="02010600030101010101" pitchFamily="2" charset="-122"/>
+                        <a:cs typeface="Cordia New"/>
+                      </a:endParaRPr>
+                    </a:p>
+                  </a:txBody>
+                  <a:tcPr marL="0" marR="0" marT="0" marB="0" anchor="ctr"/>
+                </a:tc>
+                <a:extLst>
+                  <a:ext uri="{0D108BD9-81ED-4DB2-BD59-A6C34878D82A}">
+                    <a16:rowId xmlns:a16="http://schemas.microsoft.com/office/drawing/2014/main" xmlns="" val="415013181"/>
+                  </a:ext>
+                </a:extLst>
+              </a:tr>
+              <a:tr h="1024481">
+                <a:tc>
+                  <a:txBody>
+                    <a:bodyPr/>
+                    <a:lstStyle/>
+                    <a:p>
+                      <a:pPr marL="0" marR="0" algn="ctr">
+                        <a:spcBef>
+                          <a:spcPts val="0"/>
+                        </a:spcBef>
+                        <a:spcAft>
+                          <a:spcPts val="0"/>
+                        </a:spcAft>
+                      </a:pPr>
+                      <a:r>
+                        <a:rPr lang="en-US" sz="2700" u="sng" dirty="0">
+                          <a:effectLst/>
+                          <a:hlinkClick r:id="rId17"/>
+                        </a:rPr>
+                        <a:t>kudoku</a:t>
+                      </a:r>
+                      <a:endParaRPr lang="en-US" sz="3600" dirty="0">
+                        <a:solidFill>
+                          <a:schemeClr val="bg1"/>
+                        </a:solidFill>
+                        <a:effectLst/>
+                        <a:latin typeface="Calibri" panose="020F0502020204030204" pitchFamily="34" charset="0"/>
+                        <a:ea typeface="宋体" panose="02010600030101010101" pitchFamily="2" charset="-122"/>
+                        <a:cs typeface="Cordia New"/>
+                      </a:endParaRPr>
+                    </a:p>
+                  </a:txBody>
+                  <a:tcPr marL="0" marR="0" marT="0" marB="0" anchor="ctr"/>
+                </a:tc>
+                <a:tc>
+                  <a:txBody>
+                    <a:bodyPr/>
+                    <a:lstStyle/>
+                    <a:p>
+                      <a:pPr marL="0" marR="0">
+                        <a:spcBef>
+                          <a:spcPts val="0"/>
+                        </a:spcBef>
+                        <a:spcAft>
+                          <a:spcPts val="0"/>
+                        </a:spcAft>
+                      </a:pPr>
+                      <a:r>
+                        <a:rPr lang="en-US" sz="2700">
+                          <a:effectLst/>
+                        </a:rPr>
+                        <a:t>backtracking</a:t>
                       </a:r>
                       <a:endParaRPr lang="en-US" sz="3600">
                         <a:effectLst/>
@@ -6742,7 +7382,7 @@
                         <a:rPr lang="en-US" sz="2700">
                           <a:effectLst/>
                         </a:rPr>
-                        <a:t>Lua</a:t>
+                        <a:t>Yes</a:t>
                       </a:r>
                       <a:endParaRPr lang="en-US" sz="3600">
                         <a:effectLst/>
@@ -6771,44 +7411,7 @@
                         <a:rPr lang="en-US" sz="2700">
                           <a:effectLst/>
                         </a:rPr>
-                        <a:t>Yes</a:t>
-                      </a:r>
-                      <a:endParaRPr lang="en-US" sz="3600">
-                        <a:effectLst/>
-                        <a:latin typeface="Calibri" panose="020F0502020204030204" pitchFamily="34" charset="0"/>
-                        <a:ea typeface="宋体" panose="02010600030101010101" pitchFamily="2" charset="-122"/>
-                        <a:cs typeface="Cordia New"/>
-                      </a:endParaRPr>
-                    </a:p>
-                  </a:txBody>
-                  <a:tcPr marL="0" marR="0" marT="0" marB="0" anchor="ctr"/>
-                </a:tc>
-                <a:extLst>
-                  <a:ext uri="{0D108BD9-81ED-4DB2-BD59-A6C34878D82A}">
-                    <a16:rowId xmlns:a16="http://schemas.microsoft.com/office/drawing/2014/main" val="3929061580"/>
-                  </a:ext>
-                </a:extLst>
-              </a:tr>
-              <a:tr h="1024481">
-                <a:tc>
-                  <a:txBody>
-                    <a:bodyPr/>
-                    <a:lstStyle/>
-                    <a:p>
-                      <a:pPr marL="0" marR="0" algn="ctr">
-                        <a:spcBef>
-                          <a:spcPts val="0"/>
-                        </a:spcBef>
-                        <a:spcAft>
-                          <a:spcPts val="0"/>
-                        </a:spcAft>
-                      </a:pPr>
-                      <a:r>
-                        <a:rPr lang="en-US" sz="2700" u="sng">
-                          <a:effectLst/>
-                          <a:hlinkClick r:id="rId14"/>
-                        </a:rPr>
-                        <a:t>sudoku-bb</a:t>
+                        <a:t>Python</a:t>
                       </a:r>
                       <a:endParaRPr lang="en-US" sz="3600">
                         <a:effectLst/>
@@ -6837,7 +7440,76 @@
                         <a:rPr lang="en-US" sz="2700">
                           <a:effectLst/>
                         </a:rPr>
-                        <a:t>Backtrack</a:t>
+                        <a:t>Yes</a:t>
+                      </a:r>
+                      <a:endParaRPr lang="en-US" sz="3600">
+                        <a:effectLst/>
+                        <a:latin typeface="Calibri" panose="020F0502020204030204" pitchFamily="34" charset="0"/>
+                        <a:ea typeface="宋体" panose="02010600030101010101" pitchFamily="2" charset="-122"/>
+                        <a:cs typeface="Cordia New"/>
+                      </a:endParaRPr>
+                    </a:p>
+                  </a:txBody>
+                  <a:tcPr marL="0" marR="0" marT="0" marB="0" anchor="ctr"/>
+                </a:tc>
+                <a:extLst>
+                  <a:ext uri="{0D108BD9-81ED-4DB2-BD59-A6C34878D82A}">
+                    <a16:rowId xmlns:a16="http://schemas.microsoft.com/office/drawing/2014/main" xmlns="" val="876938585"/>
+                  </a:ext>
+                </a:extLst>
+              </a:tr>
+              <a:tr h="1024481">
+                <a:tc>
+                  <a:txBody>
+                    <a:bodyPr/>
+                    <a:lstStyle/>
+                    <a:p>
+                      <a:pPr marL="0" marR="0" algn="ctr">
+                        <a:spcBef>
+                          <a:spcPts val="0"/>
+                        </a:spcBef>
+                        <a:spcAft>
+                          <a:spcPts val="0"/>
+                        </a:spcAft>
+                      </a:pPr>
+                      <a:r>
+                        <a:rPr lang="en-US" sz="2700" u="sng" dirty="0">
+                          <a:effectLst/>
+                          <a:hlinkClick r:id="rId18"/>
+                        </a:rPr>
+                        <a:t>sudoku-pk</a:t>
+                      </a:r>
+                      <a:endParaRPr lang="en-US" sz="3600" dirty="0">
+                        <a:solidFill>
+                          <a:schemeClr val="bg1"/>
+                        </a:solidFill>
+                        <a:effectLst/>
+                        <a:latin typeface="Calibri" panose="020F0502020204030204" pitchFamily="34" charset="0"/>
+                        <a:ea typeface="宋体" panose="02010600030101010101" pitchFamily="2" charset="-122"/>
+                        <a:cs typeface="Cordia New"/>
+                      </a:endParaRPr>
+                    </a:p>
+                  </a:txBody>
+                  <a:tcPr marL="0" marR="0" marT="0" marB="0" anchor="ctr"/>
+                </a:tc>
+                <a:tc>
+                  <a:txBody>
+                    <a:bodyPr/>
+                    <a:lstStyle/>
+                    <a:p>
+                      <a:pPr marL="0" marR="0">
+                        <a:spcBef>
+                          <a:spcPts val="0"/>
+                        </a:spcBef>
+                        <a:spcAft>
+                          <a:spcPts val="0"/>
+                        </a:spcAft>
+                      </a:pPr>
+                      <a:r>
+                        <a:rPr lang="en-US" sz="2700">
+                          <a:effectLst/>
+                        </a:rPr>
+                        <a:t>backtracking</a:t>
                       </a:r>
                       <a:endParaRPr lang="en-US" sz="3600">
                         <a:effectLst/>
@@ -6895,7 +7567,7 @@
                         <a:rPr lang="en-US" sz="2700">
                           <a:effectLst/>
                         </a:rPr>
-                        <a:t>Python</a:t>
+                        <a:t>Javascript</a:t>
                       </a:r>
                       <a:endParaRPr lang="en-US" sz="3600">
                         <a:effectLst/>
@@ -6921,12 +7593,12 @@
                         </a:spcAft>
                       </a:pPr>
                       <a:r>
-                        <a:rPr lang="en-US" sz="2700" dirty="0">
+                        <a:rPr lang="en-US" sz="2700">
                           <a:effectLst/>
                         </a:rPr>
                         <a:t>No</a:t>
                       </a:r>
-                      <a:endParaRPr lang="en-US" sz="3600" dirty="0">
+                      <a:endParaRPr lang="en-US" sz="3600">
                         <a:effectLst/>
                         <a:latin typeface="Calibri" panose="020F0502020204030204" pitchFamily="34" charset="0"/>
                         <a:ea typeface="宋体" panose="02010600030101010101" pitchFamily="2" charset="-122"/>
@@ -6938,7 +7610,7 @@
                 </a:tc>
                 <a:extLst>
                   <a:ext uri="{0D108BD9-81ED-4DB2-BD59-A6C34878D82A}">
-                    <a16:rowId xmlns:a16="http://schemas.microsoft.com/office/drawing/2014/main" val="1844048952"/>
+                    <a16:rowId xmlns:a16="http://schemas.microsoft.com/office/drawing/2014/main" xmlns="" val="930503388"/>
                   </a:ext>
                 </a:extLst>
               </a:tr>
@@ -6957,11 +7629,43 @@
                         </a:spcAft>
                       </a:pPr>
                       <a:r>
-                        <a:rPr lang="en-US" sz="2700" u="sng">
+                        <a:rPr lang="en-US" sz="2700" u="sng" dirty="0">
                           <a:effectLst/>
-                          <a:hlinkClick r:id="rId15"/>
+                          <a:hlinkClick r:id="rId19"/>
                         </a:rPr>
-                        <a:t>sudoku-gh</a:t>
+                        <a:t>sudoku-aa</a:t>
+                      </a:r>
+                      <a:endParaRPr lang="en-US" sz="3600" dirty="0">
+                        <a:solidFill>
+                          <a:schemeClr val="bg1"/>
+                        </a:solidFill>
+                        <a:effectLst/>
+                        <a:latin typeface="Calibri" panose="020F0502020204030204" pitchFamily="34" charset="0"/>
+                        <a:ea typeface="宋体" panose="02010600030101010101" pitchFamily="2" charset="-122"/>
+                        <a:cs typeface="Cordia New"/>
+                      </a:endParaRPr>
+                    </a:p>
+                  </a:txBody>
+                  <a:tcPr marL="0" marR="0" marT="0" marB="0" anchor="ctr"/>
+                </a:tc>
+                <a:tc>
+                  <a:txBody>
+                    <a:bodyPr/>
+                    <a:lstStyle/>
+                    <a:p>
+                      <a:pPr marL="0" marR="0">
+                        <a:spcBef>
+                          <a:spcPts val="0"/>
+                        </a:spcBef>
+                        <a:spcAft>
+                          <a:spcPts val="0"/>
+                        </a:spcAft>
+                      </a:pPr>
+                      <a:r>
+                        <a:rPr lang="en-US" sz="2700">
+                          <a:effectLst/>
+                        </a:rPr>
+                        <a:t>DLX</a:t>
                       </a:r>
                       <a:endParaRPr lang="en-US" sz="3600">
                         <a:effectLst/>
@@ -6990,7 +7694,7 @@
                         <a:rPr lang="en-US" sz="2700">
                           <a:effectLst/>
                         </a:rPr>
-                        <a:t>DLX</a:t>
+                        <a:t>Yes</a:t>
                       </a:r>
                       <a:endParaRPr lang="en-US" sz="3600">
                         <a:effectLst/>
@@ -7019,7 +7723,7 @@
                         <a:rPr lang="en-US" sz="2700">
                           <a:effectLst/>
                         </a:rPr>
-                        <a:t>Yes</a:t>
+                        <a:t>Python</a:t>
                       </a:r>
                       <a:endParaRPr lang="en-US" sz="3600">
                         <a:effectLst/>
@@ -7048,7 +7752,76 @@
                         <a:rPr lang="en-US" sz="2700">
                           <a:effectLst/>
                         </a:rPr>
-                        <a:t>JavaScript</a:t>
+                        <a:t>No</a:t>
+                      </a:r>
+                      <a:endParaRPr lang="en-US" sz="3600">
+                        <a:effectLst/>
+                        <a:latin typeface="Calibri" panose="020F0502020204030204" pitchFamily="34" charset="0"/>
+                        <a:ea typeface="宋体" panose="02010600030101010101" pitchFamily="2" charset="-122"/>
+                        <a:cs typeface="Cordia New"/>
+                      </a:endParaRPr>
+                    </a:p>
+                  </a:txBody>
+                  <a:tcPr marL="0" marR="0" marT="0" marB="0" anchor="ctr"/>
+                </a:tc>
+                <a:extLst>
+                  <a:ext uri="{0D108BD9-81ED-4DB2-BD59-A6C34878D82A}">
+                    <a16:rowId xmlns:a16="http://schemas.microsoft.com/office/drawing/2014/main" xmlns="" val="3581043181"/>
+                  </a:ext>
+                </a:extLst>
+              </a:tr>
+              <a:tr h="1024481">
+                <a:tc>
+                  <a:txBody>
+                    <a:bodyPr/>
+                    <a:lstStyle/>
+                    <a:p>
+                      <a:pPr marL="0" marR="0" algn="ctr">
+                        <a:spcBef>
+                          <a:spcPts val="0"/>
+                        </a:spcBef>
+                        <a:spcAft>
+                          <a:spcPts val="0"/>
+                        </a:spcAft>
+                      </a:pPr>
+                      <a:r>
+                        <a:rPr lang="en-US" sz="2700" u="sng" dirty="0">
+                          <a:effectLst/>
+                          <a:hlinkClick r:id="rId20"/>
+                        </a:rPr>
+                        <a:t>sudoku_db</a:t>
+                      </a:r>
+                      <a:endParaRPr lang="en-US" sz="3600" dirty="0">
+                        <a:solidFill>
+                          <a:schemeClr val="bg1"/>
+                        </a:solidFill>
+                        <a:effectLst/>
+                        <a:latin typeface="Calibri" panose="020F0502020204030204" pitchFamily="34" charset="0"/>
+                        <a:ea typeface="宋体" panose="02010600030101010101" pitchFamily="2" charset="-122"/>
+                        <a:cs typeface="Cordia New"/>
+                      </a:endParaRPr>
+                    </a:p>
+                  </a:txBody>
+                  <a:tcPr marL="0" marR="0" marT="0" marB="0" anchor="ctr"/>
+                </a:tc>
+                <a:tc>
+                  <a:txBody>
+                    <a:bodyPr/>
+                    <a:lstStyle/>
+                    <a:p>
+                      <a:pPr marL="0" marR="0">
+                        <a:spcBef>
+                          <a:spcPts val="0"/>
+                        </a:spcBef>
+                        <a:spcAft>
+                          <a:spcPts val="0"/>
+                        </a:spcAft>
+                      </a:pPr>
+                      <a:r>
+                        <a:rPr lang="en-US" sz="2700">
+                          <a:effectLst/>
+                        </a:rPr>
+                        <a:t>backtracking</a:t>
                       </a:r>
                       <a:endParaRPr lang="en-US" sz="3600">
                         <a:effectLst/>
@@ -7089,19 +7862,12 @@
                   </a:txBody>
                   <a:tcPr marL="0" marR="0" marT="0" marB="0" anchor="ctr"/>
                 </a:tc>
-                <a:extLst>
-                  <a:ext uri="{0D108BD9-81ED-4DB2-BD59-A6C34878D82A}">
-                    <a16:rowId xmlns:a16="http://schemas.microsoft.com/office/drawing/2014/main" val="3313435659"/>
-                  </a:ext>
-                </a:extLst>
-              </a:tr>
-              <a:tr h="1024481">
                 <a:tc>
                   <a:txBody>
                     <a:bodyPr/>
                     <a:lstStyle/>
                     <a:p>
-                      <a:pPr marL="0" marR="0" algn="ctr">
+                      <a:pPr marL="0" marR="0">
                         <a:spcBef>
                           <a:spcPts val="0"/>
                         </a:spcBef>
@@ -7110,11 +7876,10 @@
                         </a:spcAft>
                       </a:pPr>
                       <a:r>
-                        <a:rPr lang="en-US" sz="2700" u="sng">
+                        <a:rPr lang="en-US" sz="2700">
                           <a:effectLst/>
-                          <a:hlinkClick r:id="rId16"/>
                         </a:rPr>
-                        <a:t>Peter Norvig’s</a:t>
+                        <a:t>Python</a:t>
                       </a:r>
                       <a:endParaRPr lang="en-US" sz="3600">
                         <a:effectLst/>
@@ -7143,6 +7908,75 @@
                         <a:rPr lang="en-US" sz="2700">
                           <a:effectLst/>
                         </a:rPr>
+                        <a:t>No</a:t>
+                      </a:r>
+                      <a:endParaRPr lang="en-US" sz="3600">
+                        <a:effectLst/>
+                        <a:latin typeface="Calibri" panose="020F0502020204030204" pitchFamily="34" charset="0"/>
+                        <a:ea typeface="宋体" panose="02010600030101010101" pitchFamily="2" charset="-122"/>
+                        <a:cs typeface="Cordia New"/>
+                      </a:endParaRPr>
+                    </a:p>
+                  </a:txBody>
+                  <a:tcPr marL="0" marR="0" marT="0" marB="0" anchor="ctr"/>
+                </a:tc>
+                <a:extLst>
+                  <a:ext uri="{0D108BD9-81ED-4DB2-BD59-A6C34878D82A}">
+                    <a16:rowId xmlns:a16="http://schemas.microsoft.com/office/drawing/2014/main" xmlns="" val="1303816336"/>
+                  </a:ext>
+                </a:extLst>
+              </a:tr>
+              <a:tr h="1024481">
+                <a:tc>
+                  <a:txBody>
+                    <a:bodyPr/>
+                    <a:lstStyle/>
+                    <a:p>
+                      <a:pPr marL="0" marR="0" algn="ctr">
+                        <a:spcBef>
+                          <a:spcPts val="0"/>
+                        </a:spcBef>
+                        <a:spcAft>
+                          <a:spcPts val="0"/>
+                        </a:spcAft>
+                      </a:pPr>
+                      <a:r>
+                        <a:rPr lang="en-US" sz="2700" u="sng" dirty="0">
+                          <a:effectLst/>
+                          <a:hlinkClick r:id="rId21"/>
+                        </a:rPr>
+                        <a:t>Sudoku_bc</a:t>
+                      </a:r>
+                      <a:endParaRPr lang="en-US" sz="3600" dirty="0">
+                        <a:solidFill>
+                          <a:schemeClr val="bg1"/>
+                        </a:solidFill>
+                        <a:effectLst/>
+                        <a:latin typeface="Calibri" panose="020F0502020204030204" pitchFamily="34" charset="0"/>
+                        <a:ea typeface="宋体" panose="02010600030101010101" pitchFamily="2" charset="-122"/>
+                        <a:cs typeface="Cordia New"/>
+                      </a:endParaRPr>
+                    </a:p>
+                  </a:txBody>
+                  <a:tcPr marL="0" marR="0" marT="0" marB="0" anchor="ctr"/>
+                </a:tc>
+                <a:tc>
+                  <a:txBody>
+                    <a:bodyPr/>
+                    <a:lstStyle/>
+                    <a:p>
+                      <a:pPr marL="0" marR="0">
+                        <a:spcBef>
+                          <a:spcPts val="0"/>
+                        </a:spcBef>
+                        <a:spcAft>
+                          <a:spcPts val="0"/>
+                        </a:spcAft>
+                      </a:pPr>
+                      <a:r>
+                        <a:rPr lang="en-US" sz="2700">
+                          <a:effectLst/>
+                        </a:rPr>
                         <a:t>backtracking</a:t>
                       </a:r>
                       <a:endParaRPr lang="en-US" sz="3600">
@@ -7172,7 +8006,7 @@
                         <a:rPr lang="en-US" sz="2700">
                           <a:effectLst/>
                         </a:rPr>
-                        <a:t>No</a:t>
+                        <a:t>Yes</a:t>
                       </a:r>
                       <a:endParaRPr lang="en-US" sz="3600">
                         <a:effectLst/>
@@ -7201,7 +8035,7 @@
                         <a:rPr lang="en-US" sz="2700">
                           <a:effectLst/>
                         </a:rPr>
-                        <a:t>Python</a:t>
+                        <a:t>Java</a:t>
                       </a:r>
                       <a:endParaRPr lang="en-US" sz="3600">
                         <a:effectLst/>
@@ -7244,7 +8078,7 @@
                 </a:tc>
                 <a:extLst>
                   <a:ext uri="{0D108BD9-81ED-4DB2-BD59-A6C34878D82A}">
-                    <a16:rowId xmlns:a16="http://schemas.microsoft.com/office/drawing/2014/main" val="415013181"/>
+                    <a16:rowId xmlns:a16="http://schemas.microsoft.com/office/drawing/2014/main" xmlns="" val="3396694041"/>
                   </a:ext>
                 </a:extLst>
               </a:tr>
@@ -7263,11 +8097,43 @@
                         </a:spcAft>
                       </a:pPr>
                       <a:r>
-                        <a:rPr lang="en-US" sz="2700" u="sng">
+                        <a:rPr lang="en-US" sz="2700" u="sng" dirty="0">
                           <a:effectLst/>
-                          <a:hlinkClick r:id="rId17"/>
+                          <a:hlinkClick r:id="rId22"/>
                         </a:rPr>
-                        <a:t>kudoku</a:t>
+                        <a:t>Sudoku_dl</a:t>
+                      </a:r>
+                      <a:endParaRPr lang="en-US" sz="3600" dirty="0">
+                        <a:solidFill>
+                          <a:schemeClr val="bg1"/>
+                        </a:solidFill>
+                        <a:effectLst/>
+                        <a:latin typeface="Calibri" panose="020F0502020204030204" pitchFamily="34" charset="0"/>
+                        <a:ea typeface="宋体" panose="02010600030101010101" pitchFamily="2" charset="-122"/>
+                        <a:cs typeface="Cordia New"/>
+                      </a:endParaRPr>
+                    </a:p>
+                  </a:txBody>
+                  <a:tcPr marL="0" marR="0" marT="0" marB="0" anchor="ctr"/>
+                </a:tc>
+                <a:tc>
+                  <a:txBody>
+                    <a:bodyPr/>
+                    <a:lstStyle/>
+                    <a:p>
+                      <a:pPr marL="0" marR="0">
+                        <a:spcBef>
+                          <a:spcPts val="0"/>
+                        </a:spcBef>
+                        <a:spcAft>
+                          <a:spcPts val="0"/>
+                        </a:spcAft>
+                      </a:pPr>
+                      <a:r>
+                        <a:rPr lang="en-US" sz="2700">
+                          <a:effectLst/>
+                        </a:rPr>
+                        <a:t>unknown</a:t>
                       </a:r>
                       <a:endParaRPr lang="en-US" sz="3600">
                         <a:effectLst/>
@@ -7296,7 +8162,7 @@
                         <a:rPr lang="en-US" sz="2700">
                           <a:effectLst/>
                         </a:rPr>
-                        <a:t>backtracking</a:t>
+                        <a:t>No</a:t>
                       </a:r>
                       <a:endParaRPr lang="en-US" sz="3600">
                         <a:effectLst/>
@@ -7325,7 +8191,7 @@
                         <a:rPr lang="en-US" sz="2700">
                           <a:effectLst/>
                         </a:rPr>
-                        <a:t>Yes</a:t>
+                        <a:t>Java</a:t>
                       </a:r>
                       <a:endParaRPr lang="en-US" sz="3600">
                         <a:effectLst/>
@@ -7354,7 +8220,76 @@
                         <a:rPr lang="en-US" sz="2700">
                           <a:effectLst/>
                         </a:rPr>
-                        <a:t>Python</a:t>
+                        <a:t>No</a:t>
+                      </a:r>
+                      <a:endParaRPr lang="en-US" sz="3600">
+                        <a:effectLst/>
+                        <a:latin typeface="Calibri" panose="020F0502020204030204" pitchFamily="34" charset="0"/>
+                        <a:ea typeface="宋体" panose="02010600030101010101" pitchFamily="2" charset="-122"/>
+                        <a:cs typeface="Cordia New"/>
+                      </a:endParaRPr>
+                    </a:p>
+                  </a:txBody>
+                  <a:tcPr marL="0" marR="0" marT="0" marB="0" anchor="ctr"/>
+                </a:tc>
+                <a:extLst>
+                  <a:ext uri="{0D108BD9-81ED-4DB2-BD59-A6C34878D82A}">
+                    <a16:rowId xmlns:a16="http://schemas.microsoft.com/office/drawing/2014/main" xmlns="" val="2343419817"/>
+                  </a:ext>
+                </a:extLst>
+              </a:tr>
+              <a:tr h="1139735">
+                <a:tc>
+                  <a:txBody>
+                    <a:bodyPr/>
+                    <a:lstStyle/>
+                    <a:p>
+                      <a:pPr marL="0" marR="0" algn="ctr">
+                        <a:spcBef>
+                          <a:spcPts val="0"/>
+                        </a:spcBef>
+                        <a:spcAft>
+                          <a:spcPts val="0"/>
+                        </a:spcAft>
+                      </a:pPr>
+                      <a:r>
+                        <a:rPr lang="en-US" sz="2700" u="sng" dirty="0">
+                          <a:effectLst/>
+                          <a:hlinkClick r:id="rId23"/>
+                        </a:rPr>
+                        <a:t>Sudoku_6l</a:t>
+                      </a:r>
+                      <a:endParaRPr lang="en-US" sz="3600" dirty="0">
+                        <a:solidFill>
+                          <a:schemeClr val="bg1"/>
+                        </a:solidFill>
+                        <a:effectLst/>
+                        <a:latin typeface="Calibri" panose="020F0502020204030204" pitchFamily="34" charset="0"/>
+                        <a:ea typeface="宋体" panose="02010600030101010101" pitchFamily="2" charset="-122"/>
+                        <a:cs typeface="Cordia New"/>
+                      </a:endParaRPr>
+                    </a:p>
+                  </a:txBody>
+                  <a:tcPr marL="0" marR="0" marT="0" marB="0" anchor="ctr"/>
+                </a:tc>
+                <a:tc>
+                  <a:txBody>
+                    <a:bodyPr/>
+                    <a:lstStyle/>
+                    <a:p>
+                      <a:pPr marL="0" marR="0">
+                        <a:spcBef>
+                          <a:spcPts val="0"/>
+                        </a:spcBef>
+                        <a:spcAft>
+                          <a:spcPts val="0"/>
+                        </a:spcAft>
+                      </a:pPr>
+                      <a:r>
+                        <a:rPr lang="en-US" sz="2700">
+                          <a:effectLst/>
+                        </a:rPr>
+                        <a:t>brute-force</a:t>
                       </a:r>
                       <a:endParaRPr lang="en-US" sz="3600">
                         <a:effectLst/>
@@ -7383,44 +8318,7 @@
                         <a:rPr lang="en-US" sz="2700">
                           <a:effectLst/>
                         </a:rPr>
-                        <a:t>Yes</a:t>
-                      </a:r>
-                      <a:endParaRPr lang="en-US" sz="3600">
-                        <a:effectLst/>
-                        <a:latin typeface="Calibri" panose="020F0502020204030204" pitchFamily="34" charset="0"/>
-                        <a:ea typeface="宋体" panose="02010600030101010101" pitchFamily="2" charset="-122"/>
-                        <a:cs typeface="Cordia New"/>
-                      </a:endParaRPr>
-                    </a:p>
-                  </a:txBody>
-                  <a:tcPr marL="0" marR="0" marT="0" marB="0" anchor="ctr"/>
-                </a:tc>
-                <a:extLst>
-                  <a:ext uri="{0D108BD9-81ED-4DB2-BD59-A6C34878D82A}">
-                    <a16:rowId xmlns:a16="http://schemas.microsoft.com/office/drawing/2014/main" val="876938585"/>
-                  </a:ext>
-                </a:extLst>
-              </a:tr>
-              <a:tr h="1024481">
-                <a:tc>
-                  <a:txBody>
-                    <a:bodyPr/>
-                    <a:lstStyle/>
-                    <a:p>
-                      <a:pPr marL="0" marR="0" algn="ctr">
-                        <a:spcBef>
-                          <a:spcPts val="0"/>
-                        </a:spcBef>
-                        <a:spcAft>
-                          <a:spcPts val="0"/>
-                        </a:spcAft>
-                      </a:pPr>
-                      <a:r>
-                        <a:rPr lang="en-US" sz="2700" u="sng">
-                          <a:effectLst/>
-                          <a:hlinkClick r:id="rId18"/>
-                        </a:rPr>
-                        <a:t>sudoku-pk</a:t>
+                        <a:t>No</a:t>
                       </a:r>
                       <a:endParaRPr lang="en-US" sz="3600">
                         <a:effectLst/>
@@ -7446,829 +8344,6 @@
                         </a:spcAft>
                       </a:pPr>
                       <a:r>
-                        <a:rPr lang="en-US" sz="2700">
-                          <a:effectLst/>
-                        </a:rPr>
-                        <a:t>backtracking</a:t>
-                      </a:r>
-                      <a:endParaRPr lang="en-US" sz="3600">
-                        <a:effectLst/>
-                        <a:latin typeface="Calibri" panose="020F0502020204030204" pitchFamily="34" charset="0"/>
-                        <a:ea typeface="宋体" panose="02010600030101010101" pitchFamily="2" charset="-122"/>
-                        <a:cs typeface="Cordia New"/>
-                      </a:endParaRPr>
-                    </a:p>
-                  </a:txBody>
-                  <a:tcPr marL="0" marR="0" marT="0" marB="0" anchor="ctr"/>
-                </a:tc>
-                <a:tc>
-                  <a:txBody>
-                    <a:bodyPr/>
-                    <a:lstStyle/>
-                    <a:p>
-                      <a:pPr marL="0" marR="0">
-                        <a:spcBef>
-                          <a:spcPts val="0"/>
-                        </a:spcBef>
-                        <a:spcAft>
-                          <a:spcPts val="0"/>
-                        </a:spcAft>
-                      </a:pPr>
-                      <a:r>
-                        <a:rPr lang="en-US" sz="2700">
-                          <a:effectLst/>
-                        </a:rPr>
-                        <a:t>No</a:t>
-                      </a:r>
-                      <a:endParaRPr lang="en-US" sz="3600">
-                        <a:effectLst/>
-                        <a:latin typeface="Calibri" panose="020F0502020204030204" pitchFamily="34" charset="0"/>
-                        <a:ea typeface="宋体" panose="02010600030101010101" pitchFamily="2" charset="-122"/>
-                        <a:cs typeface="Cordia New"/>
-                      </a:endParaRPr>
-                    </a:p>
-                  </a:txBody>
-                  <a:tcPr marL="0" marR="0" marT="0" marB="0" anchor="ctr"/>
-                </a:tc>
-                <a:tc>
-                  <a:txBody>
-                    <a:bodyPr/>
-                    <a:lstStyle/>
-                    <a:p>
-                      <a:pPr marL="0" marR="0">
-                        <a:spcBef>
-                          <a:spcPts val="0"/>
-                        </a:spcBef>
-                        <a:spcAft>
-                          <a:spcPts val="0"/>
-                        </a:spcAft>
-                      </a:pPr>
-                      <a:r>
-                        <a:rPr lang="en-US" sz="2700">
-                          <a:effectLst/>
-                        </a:rPr>
-                        <a:t>Javascript</a:t>
-                      </a:r>
-                      <a:endParaRPr lang="en-US" sz="3600">
-                        <a:effectLst/>
-                        <a:latin typeface="Calibri" panose="020F0502020204030204" pitchFamily="34" charset="0"/>
-                        <a:ea typeface="宋体" panose="02010600030101010101" pitchFamily="2" charset="-122"/>
-                        <a:cs typeface="Cordia New"/>
-                      </a:endParaRPr>
-                    </a:p>
-                  </a:txBody>
-                  <a:tcPr marL="0" marR="0" marT="0" marB="0" anchor="ctr"/>
-                </a:tc>
-                <a:tc>
-                  <a:txBody>
-                    <a:bodyPr/>
-                    <a:lstStyle/>
-                    <a:p>
-                      <a:pPr marL="0" marR="0">
-                        <a:spcBef>
-                          <a:spcPts val="0"/>
-                        </a:spcBef>
-                        <a:spcAft>
-                          <a:spcPts val="0"/>
-                        </a:spcAft>
-                      </a:pPr>
-                      <a:r>
-                        <a:rPr lang="en-US" sz="2700">
-                          <a:effectLst/>
-                        </a:rPr>
-                        <a:t>No</a:t>
-                      </a:r>
-                      <a:endParaRPr lang="en-US" sz="3600">
-                        <a:effectLst/>
-                        <a:latin typeface="Calibri" panose="020F0502020204030204" pitchFamily="34" charset="0"/>
-                        <a:ea typeface="宋体" panose="02010600030101010101" pitchFamily="2" charset="-122"/>
-                        <a:cs typeface="Cordia New"/>
-                      </a:endParaRPr>
-                    </a:p>
-                  </a:txBody>
-                  <a:tcPr marL="0" marR="0" marT="0" marB="0" anchor="ctr"/>
-                </a:tc>
-                <a:extLst>
-                  <a:ext uri="{0D108BD9-81ED-4DB2-BD59-A6C34878D82A}">
-                    <a16:rowId xmlns:a16="http://schemas.microsoft.com/office/drawing/2014/main" val="930503388"/>
-                  </a:ext>
-                </a:extLst>
-              </a:tr>
-              <a:tr h="1024481">
-                <a:tc>
-                  <a:txBody>
-                    <a:bodyPr/>
-                    <a:lstStyle/>
-                    <a:p>
-                      <a:pPr marL="0" marR="0" algn="ctr">
-                        <a:spcBef>
-                          <a:spcPts val="0"/>
-                        </a:spcBef>
-                        <a:spcAft>
-                          <a:spcPts val="0"/>
-                        </a:spcAft>
-                      </a:pPr>
-                      <a:r>
-                        <a:rPr lang="en-US" sz="2700" u="sng">
-                          <a:effectLst/>
-                          <a:hlinkClick r:id="rId19"/>
-                        </a:rPr>
-                        <a:t>sudoku-aa</a:t>
-                      </a:r>
-                      <a:endParaRPr lang="en-US" sz="3600">
-                        <a:effectLst/>
-                        <a:latin typeface="Calibri" panose="020F0502020204030204" pitchFamily="34" charset="0"/>
-                        <a:ea typeface="宋体" panose="02010600030101010101" pitchFamily="2" charset="-122"/>
-                        <a:cs typeface="Cordia New"/>
-                      </a:endParaRPr>
-                    </a:p>
-                  </a:txBody>
-                  <a:tcPr marL="0" marR="0" marT="0" marB="0" anchor="ctr"/>
-                </a:tc>
-                <a:tc>
-                  <a:txBody>
-                    <a:bodyPr/>
-                    <a:lstStyle/>
-                    <a:p>
-                      <a:pPr marL="0" marR="0">
-                        <a:spcBef>
-                          <a:spcPts val="0"/>
-                        </a:spcBef>
-                        <a:spcAft>
-                          <a:spcPts val="0"/>
-                        </a:spcAft>
-                      </a:pPr>
-                      <a:r>
-                        <a:rPr lang="en-US" sz="2700">
-                          <a:effectLst/>
-                        </a:rPr>
-                        <a:t>DLX</a:t>
-                      </a:r>
-                      <a:endParaRPr lang="en-US" sz="3600">
-                        <a:effectLst/>
-                        <a:latin typeface="Calibri" panose="020F0502020204030204" pitchFamily="34" charset="0"/>
-                        <a:ea typeface="宋体" panose="02010600030101010101" pitchFamily="2" charset="-122"/>
-                        <a:cs typeface="Cordia New"/>
-                      </a:endParaRPr>
-                    </a:p>
-                  </a:txBody>
-                  <a:tcPr marL="0" marR="0" marT="0" marB="0" anchor="ctr"/>
-                </a:tc>
-                <a:tc>
-                  <a:txBody>
-                    <a:bodyPr/>
-                    <a:lstStyle/>
-                    <a:p>
-                      <a:pPr marL="0" marR="0">
-                        <a:spcBef>
-                          <a:spcPts val="0"/>
-                        </a:spcBef>
-                        <a:spcAft>
-                          <a:spcPts val="0"/>
-                        </a:spcAft>
-                      </a:pPr>
-                      <a:r>
-                        <a:rPr lang="en-US" sz="2700">
-                          <a:effectLst/>
-                        </a:rPr>
-                        <a:t>Yes</a:t>
-                      </a:r>
-                      <a:endParaRPr lang="en-US" sz="3600">
-                        <a:effectLst/>
-                        <a:latin typeface="Calibri" panose="020F0502020204030204" pitchFamily="34" charset="0"/>
-                        <a:ea typeface="宋体" panose="02010600030101010101" pitchFamily="2" charset="-122"/>
-                        <a:cs typeface="Cordia New"/>
-                      </a:endParaRPr>
-                    </a:p>
-                  </a:txBody>
-                  <a:tcPr marL="0" marR="0" marT="0" marB="0" anchor="ctr"/>
-                </a:tc>
-                <a:tc>
-                  <a:txBody>
-                    <a:bodyPr/>
-                    <a:lstStyle/>
-                    <a:p>
-                      <a:pPr marL="0" marR="0">
-                        <a:spcBef>
-                          <a:spcPts val="0"/>
-                        </a:spcBef>
-                        <a:spcAft>
-                          <a:spcPts val="0"/>
-                        </a:spcAft>
-                      </a:pPr>
-                      <a:r>
-                        <a:rPr lang="en-US" sz="2700">
-                          <a:effectLst/>
-                        </a:rPr>
-                        <a:t>Python</a:t>
-                      </a:r>
-                      <a:endParaRPr lang="en-US" sz="3600">
-                        <a:effectLst/>
-                        <a:latin typeface="Calibri" panose="020F0502020204030204" pitchFamily="34" charset="0"/>
-                        <a:ea typeface="宋体" panose="02010600030101010101" pitchFamily="2" charset="-122"/>
-                        <a:cs typeface="Cordia New"/>
-                      </a:endParaRPr>
-                    </a:p>
-                  </a:txBody>
-                  <a:tcPr marL="0" marR="0" marT="0" marB="0" anchor="ctr"/>
-                </a:tc>
-                <a:tc>
-                  <a:txBody>
-                    <a:bodyPr/>
-                    <a:lstStyle/>
-                    <a:p>
-                      <a:pPr marL="0" marR="0">
-                        <a:spcBef>
-                          <a:spcPts val="0"/>
-                        </a:spcBef>
-                        <a:spcAft>
-                          <a:spcPts val="0"/>
-                        </a:spcAft>
-                      </a:pPr>
-                      <a:r>
-                        <a:rPr lang="en-US" sz="2700">
-                          <a:effectLst/>
-                        </a:rPr>
-                        <a:t>No</a:t>
-                      </a:r>
-                      <a:endParaRPr lang="en-US" sz="3600">
-                        <a:effectLst/>
-                        <a:latin typeface="Calibri" panose="020F0502020204030204" pitchFamily="34" charset="0"/>
-                        <a:ea typeface="宋体" panose="02010600030101010101" pitchFamily="2" charset="-122"/>
-                        <a:cs typeface="Cordia New"/>
-                      </a:endParaRPr>
-                    </a:p>
-                  </a:txBody>
-                  <a:tcPr marL="0" marR="0" marT="0" marB="0" anchor="ctr"/>
-                </a:tc>
-                <a:extLst>
-                  <a:ext uri="{0D108BD9-81ED-4DB2-BD59-A6C34878D82A}">
-                    <a16:rowId xmlns:a16="http://schemas.microsoft.com/office/drawing/2014/main" val="3581043181"/>
-                  </a:ext>
-                </a:extLst>
-              </a:tr>
-              <a:tr h="1024481">
-                <a:tc>
-                  <a:txBody>
-                    <a:bodyPr/>
-                    <a:lstStyle/>
-                    <a:p>
-                      <a:pPr marL="0" marR="0" algn="ctr">
-                        <a:spcBef>
-                          <a:spcPts val="0"/>
-                        </a:spcBef>
-                        <a:spcAft>
-                          <a:spcPts val="0"/>
-                        </a:spcAft>
-                      </a:pPr>
-                      <a:r>
-                        <a:rPr lang="en-US" sz="2700" u="sng">
-                          <a:effectLst/>
-                          <a:hlinkClick r:id="rId20"/>
-                        </a:rPr>
-                        <a:t>sudoku_db</a:t>
-                      </a:r>
-                      <a:endParaRPr lang="en-US" sz="3600">
-                        <a:effectLst/>
-                        <a:latin typeface="Calibri" panose="020F0502020204030204" pitchFamily="34" charset="0"/>
-                        <a:ea typeface="宋体" panose="02010600030101010101" pitchFamily="2" charset="-122"/>
-                        <a:cs typeface="Cordia New"/>
-                      </a:endParaRPr>
-                    </a:p>
-                  </a:txBody>
-                  <a:tcPr marL="0" marR="0" marT="0" marB="0" anchor="ctr"/>
-                </a:tc>
-                <a:tc>
-                  <a:txBody>
-                    <a:bodyPr/>
-                    <a:lstStyle/>
-                    <a:p>
-                      <a:pPr marL="0" marR="0">
-                        <a:spcBef>
-                          <a:spcPts val="0"/>
-                        </a:spcBef>
-                        <a:spcAft>
-                          <a:spcPts val="0"/>
-                        </a:spcAft>
-                      </a:pPr>
-                      <a:r>
-                        <a:rPr lang="en-US" sz="2700">
-                          <a:effectLst/>
-                        </a:rPr>
-                        <a:t>backtracking</a:t>
-                      </a:r>
-                      <a:endParaRPr lang="en-US" sz="3600">
-                        <a:effectLst/>
-                        <a:latin typeface="Calibri" panose="020F0502020204030204" pitchFamily="34" charset="0"/>
-                        <a:ea typeface="宋体" panose="02010600030101010101" pitchFamily="2" charset="-122"/>
-                        <a:cs typeface="Cordia New"/>
-                      </a:endParaRPr>
-                    </a:p>
-                  </a:txBody>
-                  <a:tcPr marL="0" marR="0" marT="0" marB="0" anchor="ctr"/>
-                </a:tc>
-                <a:tc>
-                  <a:txBody>
-                    <a:bodyPr/>
-                    <a:lstStyle/>
-                    <a:p>
-                      <a:pPr marL="0" marR="0">
-                        <a:spcBef>
-                          <a:spcPts val="0"/>
-                        </a:spcBef>
-                        <a:spcAft>
-                          <a:spcPts val="0"/>
-                        </a:spcAft>
-                      </a:pPr>
-                      <a:r>
-                        <a:rPr lang="en-US" sz="2700">
-                          <a:effectLst/>
-                        </a:rPr>
-                        <a:t>No</a:t>
-                      </a:r>
-                      <a:endParaRPr lang="en-US" sz="3600">
-                        <a:effectLst/>
-                        <a:latin typeface="Calibri" panose="020F0502020204030204" pitchFamily="34" charset="0"/>
-                        <a:ea typeface="宋体" panose="02010600030101010101" pitchFamily="2" charset="-122"/>
-                        <a:cs typeface="Cordia New"/>
-                      </a:endParaRPr>
-                    </a:p>
-                  </a:txBody>
-                  <a:tcPr marL="0" marR="0" marT="0" marB="0" anchor="ctr"/>
-                </a:tc>
-                <a:tc>
-                  <a:txBody>
-                    <a:bodyPr/>
-                    <a:lstStyle/>
-                    <a:p>
-                      <a:pPr marL="0" marR="0">
-                        <a:spcBef>
-                          <a:spcPts val="0"/>
-                        </a:spcBef>
-                        <a:spcAft>
-                          <a:spcPts val="0"/>
-                        </a:spcAft>
-                      </a:pPr>
-                      <a:r>
-                        <a:rPr lang="en-US" sz="2700">
-                          <a:effectLst/>
-                        </a:rPr>
-                        <a:t>Python</a:t>
-                      </a:r>
-                      <a:endParaRPr lang="en-US" sz="3600">
-                        <a:effectLst/>
-                        <a:latin typeface="Calibri" panose="020F0502020204030204" pitchFamily="34" charset="0"/>
-                        <a:ea typeface="宋体" panose="02010600030101010101" pitchFamily="2" charset="-122"/>
-                        <a:cs typeface="Cordia New"/>
-                      </a:endParaRPr>
-                    </a:p>
-                  </a:txBody>
-                  <a:tcPr marL="0" marR="0" marT="0" marB="0" anchor="ctr"/>
-                </a:tc>
-                <a:tc>
-                  <a:txBody>
-                    <a:bodyPr/>
-                    <a:lstStyle/>
-                    <a:p>
-                      <a:pPr marL="0" marR="0">
-                        <a:spcBef>
-                          <a:spcPts val="0"/>
-                        </a:spcBef>
-                        <a:spcAft>
-                          <a:spcPts val="0"/>
-                        </a:spcAft>
-                      </a:pPr>
-                      <a:r>
-                        <a:rPr lang="en-US" sz="2700">
-                          <a:effectLst/>
-                        </a:rPr>
-                        <a:t>No</a:t>
-                      </a:r>
-                      <a:endParaRPr lang="en-US" sz="3600">
-                        <a:effectLst/>
-                        <a:latin typeface="Calibri" panose="020F0502020204030204" pitchFamily="34" charset="0"/>
-                        <a:ea typeface="宋体" panose="02010600030101010101" pitchFamily="2" charset="-122"/>
-                        <a:cs typeface="Cordia New"/>
-                      </a:endParaRPr>
-                    </a:p>
-                  </a:txBody>
-                  <a:tcPr marL="0" marR="0" marT="0" marB="0" anchor="ctr"/>
-                </a:tc>
-                <a:extLst>
-                  <a:ext uri="{0D108BD9-81ED-4DB2-BD59-A6C34878D82A}">
-                    <a16:rowId xmlns:a16="http://schemas.microsoft.com/office/drawing/2014/main" val="1303816336"/>
-                  </a:ext>
-                </a:extLst>
-              </a:tr>
-              <a:tr h="1024481">
-                <a:tc>
-                  <a:txBody>
-                    <a:bodyPr/>
-                    <a:lstStyle/>
-                    <a:p>
-                      <a:pPr marL="0" marR="0" algn="ctr">
-                        <a:spcBef>
-                          <a:spcPts val="0"/>
-                        </a:spcBef>
-                        <a:spcAft>
-                          <a:spcPts val="0"/>
-                        </a:spcAft>
-                      </a:pPr>
-                      <a:r>
-                        <a:rPr lang="en-US" sz="2700" u="sng">
-                          <a:effectLst/>
-                          <a:hlinkClick r:id="rId21"/>
-                        </a:rPr>
-                        <a:t>Sudoku_bc</a:t>
-                      </a:r>
-                      <a:endParaRPr lang="en-US" sz="3600">
-                        <a:effectLst/>
-                        <a:latin typeface="Calibri" panose="020F0502020204030204" pitchFamily="34" charset="0"/>
-                        <a:ea typeface="宋体" panose="02010600030101010101" pitchFamily="2" charset="-122"/>
-                        <a:cs typeface="Cordia New"/>
-                      </a:endParaRPr>
-                    </a:p>
-                  </a:txBody>
-                  <a:tcPr marL="0" marR="0" marT="0" marB="0" anchor="ctr"/>
-                </a:tc>
-                <a:tc>
-                  <a:txBody>
-                    <a:bodyPr/>
-                    <a:lstStyle/>
-                    <a:p>
-                      <a:pPr marL="0" marR="0">
-                        <a:spcBef>
-                          <a:spcPts val="0"/>
-                        </a:spcBef>
-                        <a:spcAft>
-                          <a:spcPts val="0"/>
-                        </a:spcAft>
-                      </a:pPr>
-                      <a:r>
-                        <a:rPr lang="en-US" sz="2700">
-                          <a:effectLst/>
-                        </a:rPr>
-                        <a:t>backtracking</a:t>
-                      </a:r>
-                      <a:endParaRPr lang="en-US" sz="3600">
-                        <a:effectLst/>
-                        <a:latin typeface="Calibri" panose="020F0502020204030204" pitchFamily="34" charset="0"/>
-                        <a:ea typeface="宋体" panose="02010600030101010101" pitchFamily="2" charset="-122"/>
-                        <a:cs typeface="Cordia New"/>
-                      </a:endParaRPr>
-                    </a:p>
-                  </a:txBody>
-                  <a:tcPr marL="0" marR="0" marT="0" marB="0" anchor="ctr"/>
-                </a:tc>
-                <a:tc>
-                  <a:txBody>
-                    <a:bodyPr/>
-                    <a:lstStyle/>
-                    <a:p>
-                      <a:pPr marL="0" marR="0">
-                        <a:spcBef>
-                          <a:spcPts val="0"/>
-                        </a:spcBef>
-                        <a:spcAft>
-                          <a:spcPts val="0"/>
-                        </a:spcAft>
-                      </a:pPr>
-                      <a:r>
-                        <a:rPr lang="en-US" sz="2700">
-                          <a:effectLst/>
-                        </a:rPr>
-                        <a:t>Yes</a:t>
-                      </a:r>
-                      <a:endParaRPr lang="en-US" sz="3600">
-                        <a:effectLst/>
-                        <a:latin typeface="Calibri" panose="020F0502020204030204" pitchFamily="34" charset="0"/>
-                        <a:ea typeface="宋体" panose="02010600030101010101" pitchFamily="2" charset="-122"/>
-                        <a:cs typeface="Cordia New"/>
-                      </a:endParaRPr>
-                    </a:p>
-                  </a:txBody>
-                  <a:tcPr marL="0" marR="0" marT="0" marB="0" anchor="ctr"/>
-                </a:tc>
-                <a:tc>
-                  <a:txBody>
-                    <a:bodyPr/>
-                    <a:lstStyle/>
-                    <a:p>
-                      <a:pPr marL="0" marR="0">
-                        <a:spcBef>
-                          <a:spcPts val="0"/>
-                        </a:spcBef>
-                        <a:spcAft>
-                          <a:spcPts val="0"/>
-                        </a:spcAft>
-                      </a:pPr>
-                      <a:r>
-                        <a:rPr lang="en-US" sz="2700">
-                          <a:effectLst/>
-                        </a:rPr>
-                        <a:t>Java</a:t>
-                      </a:r>
-                      <a:endParaRPr lang="en-US" sz="3600">
-                        <a:effectLst/>
-                        <a:latin typeface="Calibri" panose="020F0502020204030204" pitchFamily="34" charset="0"/>
-                        <a:ea typeface="宋体" panose="02010600030101010101" pitchFamily="2" charset="-122"/>
-                        <a:cs typeface="Cordia New"/>
-                      </a:endParaRPr>
-                    </a:p>
-                  </a:txBody>
-                  <a:tcPr marL="0" marR="0" marT="0" marB="0" anchor="ctr"/>
-                </a:tc>
-                <a:tc>
-                  <a:txBody>
-                    <a:bodyPr/>
-                    <a:lstStyle/>
-                    <a:p>
-                      <a:pPr marL="0" marR="0">
-                        <a:spcBef>
-                          <a:spcPts val="0"/>
-                        </a:spcBef>
-                        <a:spcAft>
-                          <a:spcPts val="0"/>
-                        </a:spcAft>
-                      </a:pPr>
-                      <a:r>
-                        <a:rPr lang="en-US" sz="2700">
-                          <a:effectLst/>
-                        </a:rPr>
-                        <a:t>No</a:t>
-                      </a:r>
-                      <a:endParaRPr lang="en-US" sz="3600">
-                        <a:effectLst/>
-                        <a:latin typeface="Calibri" panose="020F0502020204030204" pitchFamily="34" charset="0"/>
-                        <a:ea typeface="宋体" panose="02010600030101010101" pitchFamily="2" charset="-122"/>
-                        <a:cs typeface="Cordia New"/>
-                      </a:endParaRPr>
-                    </a:p>
-                  </a:txBody>
-                  <a:tcPr marL="0" marR="0" marT="0" marB="0" anchor="ctr"/>
-                </a:tc>
-                <a:extLst>
-                  <a:ext uri="{0D108BD9-81ED-4DB2-BD59-A6C34878D82A}">
-                    <a16:rowId xmlns:a16="http://schemas.microsoft.com/office/drawing/2014/main" val="3396694041"/>
-                  </a:ext>
-                </a:extLst>
-              </a:tr>
-              <a:tr h="1024481">
-                <a:tc>
-                  <a:txBody>
-                    <a:bodyPr/>
-                    <a:lstStyle/>
-                    <a:p>
-                      <a:pPr marL="0" marR="0" algn="ctr">
-                        <a:spcBef>
-                          <a:spcPts val="0"/>
-                        </a:spcBef>
-                        <a:spcAft>
-                          <a:spcPts val="0"/>
-                        </a:spcAft>
-                      </a:pPr>
-                      <a:r>
-                        <a:rPr lang="en-US" sz="2700" u="sng">
-                          <a:effectLst/>
-                          <a:hlinkClick r:id="rId22"/>
-                        </a:rPr>
-                        <a:t>Sudoku_dl</a:t>
-                      </a:r>
-                      <a:endParaRPr lang="en-US" sz="3600">
-                        <a:effectLst/>
-                        <a:latin typeface="Calibri" panose="020F0502020204030204" pitchFamily="34" charset="0"/>
-                        <a:ea typeface="宋体" panose="02010600030101010101" pitchFamily="2" charset="-122"/>
-                        <a:cs typeface="Cordia New"/>
-                      </a:endParaRPr>
-                    </a:p>
-                  </a:txBody>
-                  <a:tcPr marL="0" marR="0" marT="0" marB="0" anchor="ctr"/>
-                </a:tc>
-                <a:tc>
-                  <a:txBody>
-                    <a:bodyPr/>
-                    <a:lstStyle/>
-                    <a:p>
-                      <a:pPr marL="0" marR="0">
-                        <a:spcBef>
-                          <a:spcPts val="0"/>
-                        </a:spcBef>
-                        <a:spcAft>
-                          <a:spcPts val="0"/>
-                        </a:spcAft>
-                      </a:pPr>
-                      <a:r>
-                        <a:rPr lang="en-US" sz="2700">
-                          <a:effectLst/>
-                        </a:rPr>
-                        <a:t>unknown</a:t>
-                      </a:r>
-                      <a:endParaRPr lang="en-US" sz="3600">
-                        <a:effectLst/>
-                        <a:latin typeface="Calibri" panose="020F0502020204030204" pitchFamily="34" charset="0"/>
-                        <a:ea typeface="宋体" panose="02010600030101010101" pitchFamily="2" charset="-122"/>
-                        <a:cs typeface="Cordia New"/>
-                      </a:endParaRPr>
-                    </a:p>
-                  </a:txBody>
-                  <a:tcPr marL="0" marR="0" marT="0" marB="0" anchor="ctr"/>
-                </a:tc>
-                <a:tc>
-                  <a:txBody>
-                    <a:bodyPr/>
-                    <a:lstStyle/>
-                    <a:p>
-                      <a:pPr marL="0" marR="0">
-                        <a:spcBef>
-                          <a:spcPts val="0"/>
-                        </a:spcBef>
-                        <a:spcAft>
-                          <a:spcPts val="0"/>
-                        </a:spcAft>
-                      </a:pPr>
-                      <a:r>
-                        <a:rPr lang="en-US" sz="2700">
-                          <a:effectLst/>
-                        </a:rPr>
-                        <a:t>No</a:t>
-                      </a:r>
-                      <a:endParaRPr lang="en-US" sz="3600">
-                        <a:effectLst/>
-                        <a:latin typeface="Calibri" panose="020F0502020204030204" pitchFamily="34" charset="0"/>
-                        <a:ea typeface="宋体" panose="02010600030101010101" pitchFamily="2" charset="-122"/>
-                        <a:cs typeface="Cordia New"/>
-                      </a:endParaRPr>
-                    </a:p>
-                  </a:txBody>
-                  <a:tcPr marL="0" marR="0" marT="0" marB="0" anchor="ctr"/>
-                </a:tc>
-                <a:tc>
-                  <a:txBody>
-                    <a:bodyPr/>
-                    <a:lstStyle/>
-                    <a:p>
-                      <a:pPr marL="0" marR="0">
-                        <a:spcBef>
-                          <a:spcPts val="0"/>
-                        </a:spcBef>
-                        <a:spcAft>
-                          <a:spcPts val="0"/>
-                        </a:spcAft>
-                      </a:pPr>
-                      <a:r>
-                        <a:rPr lang="en-US" sz="2700">
-                          <a:effectLst/>
-                        </a:rPr>
-                        <a:t>Java</a:t>
-                      </a:r>
-                      <a:endParaRPr lang="en-US" sz="3600">
-                        <a:effectLst/>
-                        <a:latin typeface="Calibri" panose="020F0502020204030204" pitchFamily="34" charset="0"/>
-                        <a:ea typeface="宋体" panose="02010600030101010101" pitchFamily="2" charset="-122"/>
-                        <a:cs typeface="Cordia New"/>
-                      </a:endParaRPr>
-                    </a:p>
-                  </a:txBody>
-                  <a:tcPr marL="0" marR="0" marT="0" marB="0" anchor="ctr"/>
-                </a:tc>
-                <a:tc>
-                  <a:txBody>
-                    <a:bodyPr/>
-                    <a:lstStyle/>
-                    <a:p>
-                      <a:pPr marL="0" marR="0">
-                        <a:spcBef>
-                          <a:spcPts val="0"/>
-                        </a:spcBef>
-                        <a:spcAft>
-                          <a:spcPts val="0"/>
-                        </a:spcAft>
-                      </a:pPr>
-                      <a:r>
-                        <a:rPr lang="en-US" sz="2700">
-                          <a:effectLst/>
-                        </a:rPr>
-                        <a:t>No</a:t>
-                      </a:r>
-                      <a:endParaRPr lang="en-US" sz="3600">
-                        <a:effectLst/>
-                        <a:latin typeface="Calibri" panose="020F0502020204030204" pitchFamily="34" charset="0"/>
-                        <a:ea typeface="宋体" panose="02010600030101010101" pitchFamily="2" charset="-122"/>
-                        <a:cs typeface="Cordia New"/>
-                      </a:endParaRPr>
-                    </a:p>
-                  </a:txBody>
-                  <a:tcPr marL="0" marR="0" marT="0" marB="0" anchor="ctr"/>
-                </a:tc>
-                <a:extLst>
-                  <a:ext uri="{0D108BD9-81ED-4DB2-BD59-A6C34878D82A}">
-                    <a16:rowId xmlns:a16="http://schemas.microsoft.com/office/drawing/2014/main" val="2343419817"/>
-                  </a:ext>
-                </a:extLst>
-              </a:tr>
-              <a:tr h="1139735">
-                <a:tc>
-                  <a:txBody>
-                    <a:bodyPr/>
-                    <a:lstStyle/>
-                    <a:p>
-                      <a:pPr marL="0" marR="0" algn="ctr">
-                        <a:spcBef>
-                          <a:spcPts val="0"/>
-                        </a:spcBef>
-                        <a:spcAft>
-                          <a:spcPts val="0"/>
-                        </a:spcAft>
-                      </a:pPr>
-                      <a:r>
-                        <a:rPr lang="en-US" sz="2700" u="sng">
-                          <a:effectLst/>
-                          <a:hlinkClick r:id="rId23"/>
-                        </a:rPr>
-                        <a:t>Sudoku_6l</a:t>
-                      </a:r>
-                      <a:endParaRPr lang="en-US" sz="3600">
-                        <a:effectLst/>
-                        <a:latin typeface="Calibri" panose="020F0502020204030204" pitchFamily="34" charset="0"/>
-                        <a:ea typeface="宋体" panose="02010600030101010101" pitchFamily="2" charset="-122"/>
-                        <a:cs typeface="Cordia New"/>
-                      </a:endParaRPr>
-                    </a:p>
-                  </a:txBody>
-                  <a:tcPr marL="0" marR="0" marT="0" marB="0" anchor="ctr"/>
-                </a:tc>
-                <a:tc>
-                  <a:txBody>
-                    <a:bodyPr/>
-                    <a:lstStyle/>
-                    <a:p>
-                      <a:pPr marL="0" marR="0">
-                        <a:spcBef>
-                          <a:spcPts val="0"/>
-                        </a:spcBef>
-                        <a:spcAft>
-                          <a:spcPts val="0"/>
-                        </a:spcAft>
-                      </a:pPr>
-                      <a:r>
-                        <a:rPr lang="en-US" sz="2700">
-                          <a:effectLst/>
-                        </a:rPr>
-                        <a:t>brute-force</a:t>
-                      </a:r>
-                      <a:endParaRPr lang="en-US" sz="3600">
-                        <a:effectLst/>
-                        <a:latin typeface="Calibri" panose="020F0502020204030204" pitchFamily="34" charset="0"/>
-                        <a:ea typeface="宋体" panose="02010600030101010101" pitchFamily="2" charset="-122"/>
-                        <a:cs typeface="Cordia New"/>
-                      </a:endParaRPr>
-                    </a:p>
-                  </a:txBody>
-                  <a:tcPr marL="0" marR="0" marT="0" marB="0" anchor="ctr"/>
-                </a:tc>
-                <a:tc>
-                  <a:txBody>
-                    <a:bodyPr/>
-                    <a:lstStyle/>
-                    <a:p>
-                      <a:pPr marL="0" marR="0">
-                        <a:spcBef>
-                          <a:spcPts val="0"/>
-                        </a:spcBef>
-                        <a:spcAft>
-                          <a:spcPts val="0"/>
-                        </a:spcAft>
-                      </a:pPr>
-                      <a:r>
-                        <a:rPr lang="en-US" sz="2700">
-                          <a:effectLst/>
-                        </a:rPr>
-                        <a:t>No</a:t>
-                      </a:r>
-                      <a:endParaRPr lang="en-US" sz="3600">
-                        <a:effectLst/>
-                        <a:latin typeface="Calibri" panose="020F0502020204030204" pitchFamily="34" charset="0"/>
-                        <a:ea typeface="宋体" panose="02010600030101010101" pitchFamily="2" charset="-122"/>
-                        <a:cs typeface="Cordia New"/>
-                      </a:endParaRPr>
-                    </a:p>
-                  </a:txBody>
-                  <a:tcPr marL="0" marR="0" marT="0" marB="0" anchor="ctr"/>
-                </a:tc>
-                <a:tc>
-                  <a:txBody>
-                    <a:bodyPr/>
-                    <a:lstStyle/>
-                    <a:p>
-                      <a:pPr marL="0" marR="0">
-                        <a:spcBef>
-                          <a:spcPts val="0"/>
-                        </a:spcBef>
-                        <a:spcAft>
-                          <a:spcPts val="0"/>
-                        </a:spcAft>
-                      </a:pPr>
-                      <a:r>
                         <a:rPr lang="en-US" sz="2700" dirty="0">
                           <a:effectLst/>
                         </a:rPr>
@@ -8315,7 +8390,7 @@
                 </a:tc>
                 <a:extLst>
                   <a:ext uri="{0D108BD9-81ED-4DB2-BD59-A6C34878D82A}">
-                    <a16:rowId xmlns:a16="http://schemas.microsoft.com/office/drawing/2014/main" val="186672215"/>
+                    <a16:rowId xmlns:a16="http://schemas.microsoft.com/office/drawing/2014/main" xmlns="" val="186672215"/>
                   </a:ext>
                 </a:extLst>
               </a:tr>
@@ -8333,8 +8408,8 @@
         </p:nvSpPr>
         <p:spPr bwMode="auto">
           <a:xfrm>
-            <a:off x="11851724" y="22472482"/>
-            <a:ext cx="10151829" cy="13831926"/>
+            <a:off x="11820670" y="23566925"/>
+            <a:ext cx="10151829" cy="17819614"/>
           </a:xfrm>
           <a:prstGeom prst="rect">
             <a:avLst/>
@@ -8382,7 +8457,39 @@
                   <a:schemeClr val="tx1"/>
                 </a:solidFill>
               </a:rPr>
-              <a:t>A number of techniques were used to speed up the existing search </a:t>
+              <a:t>A number of techniques were used </a:t>
+            </a:r>
+            <a:r>
+              <a:rPr lang="en-US" altLang="zh-CN" sz="6000" b="0" baseline="30000" dirty="0" smtClean="0">
+                <a:solidFill>
+                  <a:schemeClr val="tx1"/>
+                </a:solidFill>
+              </a:rPr>
+              <a:t>to</a:t>
+            </a:r>
+            <a:r>
+              <a:rPr lang="en-US" altLang="zh-CN" sz="6000" b="0" dirty="0" smtClean="0">
+                <a:solidFill>
+                  <a:schemeClr val="tx1"/>
+                </a:solidFill>
+              </a:rPr>
+              <a:t> </a:t>
+            </a:r>
+            <a:r>
+              <a:rPr lang="en-US" altLang="zh-CN" sz="6000" b="0" baseline="30000" dirty="0" smtClean="0">
+                <a:solidFill>
+                  <a:schemeClr val="tx1"/>
+                </a:solidFill>
+              </a:rPr>
+              <a:t>speed </a:t>
+            </a:r>
+            <a:r>
+              <a:rPr lang="en-US" altLang="zh-CN" sz="6000" b="0" baseline="30000" dirty="0">
+                <a:solidFill>
+                  <a:schemeClr val="tx1"/>
+                </a:solidFill>
+              </a:rPr>
+              <a:t>up the existing search </a:t>
             </a:r>
             <a:r>
               <a:rPr lang="en-US" altLang="zh-CN" sz="6000" b="0" baseline="30000" dirty="0" smtClean="0">
@@ -8447,7 +8554,15 @@
                   <a:schemeClr val="tx1"/>
                 </a:solidFill>
               </a:rPr>
-              <a:t>just select the cell by the order with the minimum choices to explore, but we do not have the idea which digit to try first. This step is not very important in classic 9×9 Sudoku, since the feasible choices are very few in the cell. But the case is more complicated in a larger Sudoku, like 16x16 Sudoku, where we are often faced with quite many choices.</a:t>
+              <a:t>just select the cell by the order with the minimum choices to explore, but we do not have the idea which digit to try first. This step is not very important in classic 9×9 Sudoku, since the feasible choices are very few in the cell. But the case is more complicated in a larger Sudoku, like 16x16 Sudoku, where we are often faced with quite many choices</a:t>
+            </a:r>
+            <a:r>
+              <a:rPr lang="en-US" altLang="zh-CN" sz="3600" b="0" i="1" dirty="0" smtClean="0">
+                <a:solidFill>
+                  <a:schemeClr val="tx1"/>
+                </a:solidFill>
+              </a:rPr>
+              <a:t>. We introduce the sum of rest feasible choices in all grids after filling a digit as Heuristic function. However we need find a balance between the ascending order and descending order, which needs trial and adjustment.</a:t>
             </a:r>
             <a:endParaRPr lang="en-US" altLang="zh-CN" sz="2800" i="1" dirty="0" smtClean="0"/>
           </a:p>
@@ -8532,8 +8647,8 @@
         </p:nvSpPr>
         <p:spPr bwMode="auto">
           <a:xfrm>
-            <a:off x="18022528" y="36899283"/>
-            <a:ext cx="14196491" cy="6445250"/>
+            <a:off x="22548961" y="36892558"/>
+            <a:ext cx="9670058" cy="6445250"/>
           </a:xfrm>
           <a:prstGeom prst="rect">
             <a:avLst/>
@@ -8566,6 +8681,452 @@
           </a:p>
         </p:txBody>
       </p:sp>
+      <p:graphicFrame>
+        <p:nvGraphicFramePr>
+          <p:cNvPr id="9" name="Table 8"/>
+          <p:cNvGraphicFramePr>
+            <a:graphicFrameLocks noGrp="1"/>
+          </p:cNvGraphicFramePr>
+          <p:nvPr>
+            <p:extLst>
+              <p:ext uri="{D42A27DB-BD31-4B8C-83A1-F6EECF244321}">
+                <p14:modId xmlns:p14="http://schemas.microsoft.com/office/powerpoint/2010/main" val="428479391"/>
+              </p:ext>
+            </p:extLst>
+          </p:nvPr>
+        </p:nvGraphicFramePr>
+        <p:xfrm>
+          <a:off x="23168992" y="31909756"/>
+          <a:ext cx="7917039" cy="4428366"/>
+        </p:xfrm>
+        <a:graphic>
+          <a:graphicData uri="http://schemas.openxmlformats.org/drawingml/2006/table">
+            <a:tbl>
+              <a:tblPr firstRow="1" firstCol="1" bandRow="1">
+                <a:tableStyleId>{21E4AEA4-8DFA-4A89-87EB-49C32662AFE0}</a:tableStyleId>
+              </a:tblPr>
+              <a:tblGrid>
+                <a:gridCol w="2639013"/>
+                <a:gridCol w="2639013"/>
+                <a:gridCol w="2639013"/>
+              </a:tblGrid>
+              <a:tr h="1476122">
+                <a:tc>
+                  <a:txBody>
+                    <a:bodyPr/>
+                    <a:lstStyle/>
+                    <a:p>
+                      <a:pPr algn="ctr"/>
+                      <a:r>
+                        <a:rPr lang="en-US" sz="3200" dirty="0" smtClean="0"/>
+                        <a:t>Nodes expanded</a:t>
+                      </a:r>
+                      <a:endParaRPr lang="en-US" sz="3200" dirty="0"/>
+                    </a:p>
+                  </a:txBody>
+                  <a:tcPr anchor="ctr"/>
+                </a:tc>
+                <a:tc>
+                  <a:txBody>
+                    <a:bodyPr/>
+                    <a:lstStyle/>
+                    <a:p>
+                      <a:pPr algn="ctr"/>
+                      <a:r>
+                        <a:rPr lang="en-GB" sz="3200" baseline="0" dirty="0" smtClean="0"/>
+                        <a:t>9x9</a:t>
+                      </a:r>
+                      <a:endParaRPr lang="en-US" sz="3200" baseline="0" dirty="0"/>
+                    </a:p>
+                  </a:txBody>
+                  <a:tcPr anchor="ctr"/>
+                </a:tc>
+                <a:tc>
+                  <a:txBody>
+                    <a:bodyPr/>
+                    <a:lstStyle/>
+                    <a:p>
+                      <a:pPr marL="0" marR="0" indent="0" algn="ctr" defTabSz="914400" rtl="0" eaLnBrk="1" fontAlgn="auto" latinLnBrk="0" hangingPunct="1">
+                        <a:lnSpc>
+                          <a:spcPct val="100000"/>
+                        </a:lnSpc>
+                        <a:spcBef>
+                          <a:spcPts val="0"/>
+                        </a:spcBef>
+                        <a:spcAft>
+                          <a:spcPts val="0"/>
+                        </a:spcAft>
+                        <a:buClrTx/>
+                        <a:buSzTx/>
+                        <a:buFontTx/>
+                        <a:buNone/>
+                        <a:tabLst/>
+                        <a:defRPr/>
+                      </a:pPr>
+                      <a:r>
+                        <a:rPr lang="en-GB" sz="3200" baseline="0" dirty="0" smtClean="0"/>
+                        <a:t>16x16</a:t>
+                      </a:r>
+                      <a:endParaRPr lang="en-US" sz="3200" baseline="0" dirty="0"/>
+                    </a:p>
+                  </a:txBody>
+                  <a:tcPr anchor="ctr"/>
+                </a:tc>
+              </a:tr>
+              <a:tr h="1476122">
+                <a:tc>
+                  <a:txBody>
+                    <a:bodyPr/>
+                    <a:lstStyle/>
+                    <a:p>
+                      <a:r>
+                        <a:rPr lang="en-US" sz="3200" dirty="0" smtClean="0"/>
+                        <a:t>Basic solver</a:t>
+                      </a:r>
+                      <a:endParaRPr lang="en-US" sz="3200" dirty="0"/>
+                    </a:p>
+                  </a:txBody>
+                  <a:tcPr anchor="ctr"/>
+                </a:tc>
+                <a:tc>
+                  <a:txBody>
+                    <a:bodyPr/>
+                    <a:lstStyle/>
+                    <a:p>
+                      <a:pPr marL="0" marR="0" indent="0" algn="ctr" defTabSz="914400" rtl="0" eaLnBrk="1" fontAlgn="auto" latinLnBrk="0" hangingPunct="1">
+                        <a:lnSpc>
+                          <a:spcPct val="100000"/>
+                        </a:lnSpc>
+                        <a:spcBef>
+                          <a:spcPts val="0"/>
+                        </a:spcBef>
+                        <a:spcAft>
+                          <a:spcPts val="0"/>
+                        </a:spcAft>
+                        <a:buClrTx/>
+                        <a:buSzTx/>
+                        <a:buFontTx/>
+                        <a:buNone/>
+                        <a:tabLst/>
+                        <a:defRPr/>
+                      </a:pPr>
+                      <a:r>
+                        <a:rPr lang="fi-FI" sz="3200" kern="1200" dirty="0" smtClean="0">
+                          <a:solidFill>
+                            <a:schemeClr val="dk1"/>
+                          </a:solidFill>
+                          <a:effectLst/>
+                          <a:latin typeface="+mn-lt"/>
+                          <a:ea typeface="+mn-ea"/>
+                          <a:cs typeface="+mn-cs"/>
+                        </a:rPr>
+                        <a:t>2872</a:t>
+                      </a:r>
+                    </a:p>
+                  </a:txBody>
+                  <a:tcPr anchor="ctr"/>
+                </a:tc>
+                <a:tc>
+                  <a:txBody>
+                    <a:bodyPr/>
+                    <a:lstStyle/>
+                    <a:p>
+                      <a:pPr algn="ctr"/>
+                      <a:r>
+                        <a:rPr lang="en-US" sz="3200" dirty="0" smtClean="0"/>
+                        <a:t>2536</a:t>
+                      </a:r>
+                      <a:endParaRPr lang="en-US" sz="3200" dirty="0"/>
+                    </a:p>
+                  </a:txBody>
+                  <a:tcPr anchor="ctr"/>
+                </a:tc>
+              </a:tr>
+              <a:tr h="1476122">
+                <a:tc>
+                  <a:txBody>
+                    <a:bodyPr/>
+                    <a:lstStyle/>
+                    <a:p>
+                      <a:r>
+                        <a:rPr lang="en-US" sz="3200" dirty="0" smtClean="0"/>
+                        <a:t>Heuristic</a:t>
+                      </a:r>
+                      <a:r>
+                        <a:rPr lang="en-US" sz="3200" baseline="0" dirty="0" smtClean="0"/>
+                        <a:t> </a:t>
+                      </a:r>
+                      <a:r>
+                        <a:rPr lang="en-US" sz="3200" dirty="0" smtClean="0"/>
+                        <a:t>Solver</a:t>
+                      </a:r>
+                      <a:endParaRPr lang="en-US" sz="3200" dirty="0"/>
+                    </a:p>
+                  </a:txBody>
+                  <a:tcPr anchor="ctr"/>
+                </a:tc>
+                <a:tc>
+                  <a:txBody>
+                    <a:bodyPr/>
+                    <a:lstStyle/>
+                    <a:p>
+                      <a:pPr algn="ctr"/>
+                      <a:r>
+                        <a:rPr lang="en-US" sz="3200" dirty="0" smtClean="0"/>
+                        <a:t>2164</a:t>
+                      </a:r>
+                      <a:endParaRPr lang="en-US" sz="3200" dirty="0"/>
+                    </a:p>
+                  </a:txBody>
+                  <a:tcPr anchor="ctr"/>
+                </a:tc>
+                <a:tc>
+                  <a:txBody>
+                    <a:bodyPr/>
+                    <a:lstStyle/>
+                    <a:p>
+                      <a:pPr algn="ctr"/>
+                      <a:r>
+                        <a:rPr lang="en-US" sz="3200" dirty="0" smtClean="0"/>
+                        <a:t>1872</a:t>
+                      </a:r>
+                      <a:endParaRPr lang="en-US" sz="3200" dirty="0"/>
+                    </a:p>
+                  </a:txBody>
+                  <a:tcPr anchor="ctr"/>
+                </a:tc>
+              </a:tr>
+            </a:tbl>
+          </a:graphicData>
+        </a:graphic>
+      </p:graphicFrame>
+      <p:graphicFrame>
+        <p:nvGraphicFramePr>
+          <p:cNvPr id="23" name="Table 22"/>
+          <p:cNvGraphicFramePr>
+            <a:graphicFrameLocks noGrp="1"/>
+          </p:cNvGraphicFramePr>
+          <p:nvPr>
+            <p:extLst>
+              <p:ext uri="{D42A27DB-BD31-4B8C-83A1-F6EECF244321}">
+                <p14:modId xmlns:p14="http://schemas.microsoft.com/office/powerpoint/2010/main" val="203893509"/>
+              </p:ext>
+            </p:extLst>
+          </p:nvPr>
+        </p:nvGraphicFramePr>
+        <p:xfrm>
+          <a:off x="23116774" y="37360155"/>
+          <a:ext cx="7917039" cy="4428366"/>
+        </p:xfrm>
+        <a:graphic>
+          <a:graphicData uri="http://schemas.openxmlformats.org/drawingml/2006/table">
+            <a:tbl>
+              <a:tblPr firstRow="1" firstCol="1" bandRow="1">
+                <a:tableStyleId>{21E4AEA4-8DFA-4A89-87EB-49C32662AFE0}</a:tableStyleId>
+              </a:tblPr>
+              <a:tblGrid>
+                <a:gridCol w="2639013"/>
+                <a:gridCol w="2639013"/>
+                <a:gridCol w="2639013"/>
+              </a:tblGrid>
+              <a:tr h="1476122">
+                <a:tc>
+                  <a:txBody>
+                    <a:bodyPr/>
+                    <a:lstStyle/>
+                    <a:p>
+                      <a:pPr algn="ctr"/>
+                      <a:r>
+                        <a:rPr lang="en-US" sz="3200" dirty="0" smtClean="0"/>
+                        <a:t>Time(</a:t>
+                      </a:r>
+                      <a:r>
+                        <a:rPr lang="en-US" sz="3200" dirty="0" err="1" smtClean="0"/>
+                        <a:t>ms</a:t>
+                      </a:r>
+                      <a:r>
+                        <a:rPr lang="en-US" sz="3200" dirty="0" smtClean="0"/>
+                        <a:t>)</a:t>
+                      </a:r>
+                      <a:endParaRPr lang="en-US" sz="3200" dirty="0"/>
+                    </a:p>
+                  </a:txBody>
+                  <a:tcPr anchor="ctr"/>
+                </a:tc>
+                <a:tc>
+                  <a:txBody>
+                    <a:bodyPr/>
+                    <a:lstStyle/>
+                    <a:p>
+                      <a:pPr algn="ctr"/>
+                      <a:r>
+                        <a:rPr lang="en-GB" sz="3200" baseline="0" dirty="0" smtClean="0"/>
+                        <a:t>9x9</a:t>
+                      </a:r>
+                      <a:endParaRPr lang="en-US" sz="3200" baseline="0" dirty="0"/>
+                    </a:p>
+                  </a:txBody>
+                  <a:tcPr anchor="ctr"/>
+                </a:tc>
+                <a:tc>
+                  <a:txBody>
+                    <a:bodyPr/>
+                    <a:lstStyle/>
+                    <a:p>
+                      <a:pPr marL="0" marR="0" indent="0" algn="ctr" defTabSz="914400" rtl="0" eaLnBrk="1" fontAlgn="auto" latinLnBrk="0" hangingPunct="1">
+                        <a:lnSpc>
+                          <a:spcPct val="100000"/>
+                        </a:lnSpc>
+                        <a:spcBef>
+                          <a:spcPts val="0"/>
+                        </a:spcBef>
+                        <a:spcAft>
+                          <a:spcPts val="0"/>
+                        </a:spcAft>
+                        <a:buClrTx/>
+                        <a:buSzTx/>
+                        <a:buFontTx/>
+                        <a:buNone/>
+                        <a:tabLst/>
+                        <a:defRPr/>
+                      </a:pPr>
+                      <a:r>
+                        <a:rPr lang="en-GB" sz="3200" baseline="0" dirty="0" smtClean="0"/>
+                        <a:t>16x16</a:t>
+                      </a:r>
+                      <a:endParaRPr lang="en-US" sz="3200" baseline="0" dirty="0"/>
+                    </a:p>
+                  </a:txBody>
+                  <a:tcPr anchor="ctr"/>
+                </a:tc>
+              </a:tr>
+              <a:tr h="1476122">
+                <a:tc>
+                  <a:txBody>
+                    <a:bodyPr/>
+                    <a:lstStyle/>
+                    <a:p>
+                      <a:r>
+                        <a:rPr lang="en-US" sz="3200" dirty="0" smtClean="0"/>
+                        <a:t>Basic solver</a:t>
+                      </a:r>
+                      <a:endParaRPr lang="en-US" sz="3200" dirty="0"/>
+                    </a:p>
+                  </a:txBody>
+                  <a:tcPr anchor="ctr"/>
+                </a:tc>
+                <a:tc>
+                  <a:txBody>
+                    <a:bodyPr/>
+                    <a:lstStyle/>
+                    <a:p>
+                      <a:pPr marL="0" marR="0" indent="0" algn="ctr" defTabSz="914400" rtl="0" eaLnBrk="1" fontAlgn="auto" latinLnBrk="0" hangingPunct="1">
+                        <a:lnSpc>
+                          <a:spcPct val="100000"/>
+                        </a:lnSpc>
+                        <a:spcBef>
+                          <a:spcPts val="0"/>
+                        </a:spcBef>
+                        <a:spcAft>
+                          <a:spcPts val="0"/>
+                        </a:spcAft>
+                        <a:buClrTx/>
+                        <a:buSzTx/>
+                        <a:buFontTx/>
+                        <a:buNone/>
+                        <a:tabLst/>
+                        <a:defRPr/>
+                      </a:pPr>
+                      <a:r>
+                        <a:rPr lang="fi-FI" sz="3200" kern="1200" dirty="0" smtClean="0">
+                          <a:solidFill>
+                            <a:schemeClr val="dk1"/>
+                          </a:solidFill>
+                          <a:effectLst/>
+                          <a:latin typeface="+mn-lt"/>
+                          <a:ea typeface="+mn-ea"/>
+                          <a:cs typeface="+mn-cs"/>
+                        </a:rPr>
+                        <a:t>8428</a:t>
+                      </a:r>
+                    </a:p>
+                  </a:txBody>
+                  <a:tcPr anchor="ctr"/>
+                </a:tc>
+                <a:tc>
+                  <a:txBody>
+                    <a:bodyPr/>
+                    <a:lstStyle/>
+                    <a:p>
+                      <a:pPr algn="ctr"/>
+                      <a:r>
+                        <a:rPr lang="en-US" sz="3200" dirty="0" smtClean="0"/>
+                        <a:t>33039</a:t>
+                      </a:r>
+                      <a:endParaRPr lang="en-US" sz="3200" dirty="0"/>
+                    </a:p>
+                  </a:txBody>
+                  <a:tcPr anchor="ctr"/>
+                </a:tc>
+              </a:tr>
+              <a:tr h="1476122">
+                <a:tc>
+                  <a:txBody>
+                    <a:bodyPr/>
+                    <a:lstStyle/>
+                    <a:p>
+                      <a:r>
+                        <a:rPr lang="en-US" sz="3200" dirty="0" smtClean="0"/>
+                        <a:t>Heuristic</a:t>
+                      </a:r>
+                      <a:r>
+                        <a:rPr lang="en-US" sz="3200" baseline="0" dirty="0" smtClean="0"/>
+                        <a:t> </a:t>
+                      </a:r>
+                      <a:r>
+                        <a:rPr lang="en-US" sz="3200" dirty="0" smtClean="0"/>
+                        <a:t>Solver</a:t>
+                      </a:r>
+                      <a:endParaRPr lang="en-US" sz="3200" dirty="0"/>
+                    </a:p>
+                  </a:txBody>
+                  <a:tcPr anchor="ctr"/>
+                </a:tc>
+                <a:tc>
+                  <a:txBody>
+                    <a:bodyPr/>
+                    <a:lstStyle/>
+                    <a:p>
+                      <a:pPr algn="ctr"/>
+                      <a:r>
+                        <a:rPr lang="en-US" sz="3200" dirty="0" smtClean="0"/>
+                        <a:t>6012</a:t>
+                      </a:r>
+                      <a:endParaRPr lang="en-US" sz="3200" dirty="0"/>
+                    </a:p>
+                  </a:txBody>
+                  <a:tcPr anchor="ctr"/>
+                </a:tc>
+                <a:tc>
+                  <a:txBody>
+                    <a:bodyPr/>
+                    <a:lstStyle/>
+                    <a:p>
+                      <a:pPr algn="ctr"/>
+                      <a:r>
+                        <a:rPr lang="en-US" sz="3200" dirty="0" smtClean="0"/>
+                        <a:t>24713</a:t>
+                      </a:r>
+                      <a:endParaRPr lang="en-US" sz="3200" dirty="0"/>
+                    </a:p>
+                  </a:txBody>
+                  <a:tcPr anchor="ctr"/>
+                </a:tc>
+              </a:tr>
+            </a:tbl>
+          </a:graphicData>
+        </a:graphic>
+      </p:graphicFrame>
     </p:spTree>
   </p:cSld>
   <p:clrMapOvr>
